--- a/graphmaking/grafieken.pptx
+++ b/graphmaking/grafieken.pptx
@@ -14419,7 +14419,7 @@
                 <a:effectLst/>
                 <a:extLst>
                   <a:ext uri="{C572A759-6A51-4108-AA02-DFA0A04FC94B}">
-                    <ma14:wrappingTextBoxFlag xmlns:ma14="http://schemas.microsoft.com/office/mac/drawingml/2011/main" xmlns:a14="http://schemas.microsoft.com/office/drawing/2010/main" xmlns:m="http://schemas.openxmlformats.org/officeDocument/2006/math" xmlns="" val="1"/>
+                    <ma14:wrappingTextBoxFlag xmlns="" xmlns:m="http://schemas.openxmlformats.org/officeDocument/2006/math" xmlns:a14="http://schemas.microsoft.com/office/drawing/2010/main" xmlns:ma14="http://schemas.microsoft.com/office/mac/drawingml/2011/main" val="1"/>
                   </a:ext>
                 </a:extLst>
               </p:spPr>
@@ -14524,7 +14524,7 @@
                 <a:effectLst/>
                 <a:extLst>
                   <a:ext uri="{C572A759-6A51-4108-AA02-DFA0A04FC94B}">
-                    <ma14:wrappingTextBoxFlag xmlns:ma14="http://schemas.microsoft.com/office/mac/drawingml/2011/main" xmlns:a14="http://schemas.microsoft.com/office/drawing/2010/main" xmlns:m="http://schemas.openxmlformats.org/officeDocument/2006/math" xmlns="" val="1"/>
+                    <ma14:wrappingTextBoxFlag xmlns="" xmlns:m="http://schemas.openxmlformats.org/officeDocument/2006/math" xmlns:a14="http://schemas.microsoft.com/office/drawing/2010/main" xmlns:ma14="http://schemas.microsoft.com/office/mac/drawingml/2011/main" val="1"/>
                   </a:ext>
                 </a:extLst>
               </p:spPr>
@@ -14575,7 +14575,7 @@
               <a:effectLst/>
               <a:extLst>
                 <a:ext uri="{C572A759-6A51-4108-AA02-DFA0A04FC94B}">
-                  <ma14:wrappingTextBoxFlag xmlns:ma14="http://schemas.microsoft.com/office/mac/drawingml/2011/main" xmlns:a14="http://schemas.microsoft.com/office/drawing/2010/main" xmlns:m="http://schemas.openxmlformats.org/officeDocument/2006/math" xmlns="" val="1"/>
+                  <ma14:wrappingTextBoxFlag xmlns="" xmlns:m="http://schemas.openxmlformats.org/officeDocument/2006/math" xmlns:a14="http://schemas.microsoft.com/office/drawing/2010/main" xmlns:ma14="http://schemas.microsoft.com/office/mac/drawingml/2011/main" val="1"/>
                 </a:ext>
               </a:extLst>
             </p:spPr>
@@ -14686,7 +14686,7 @@
                 <a:effectLst/>
                 <a:extLst>
                   <a:ext uri="{C572A759-6A51-4108-AA02-DFA0A04FC94B}">
-                    <ma14:wrappingTextBoxFlag xmlns:ma14="http://schemas.microsoft.com/office/mac/drawingml/2011/main" xmlns:a14="http://schemas.microsoft.com/office/drawing/2010/main" xmlns:m="http://schemas.openxmlformats.org/officeDocument/2006/math" xmlns="" val="1"/>
+                    <ma14:wrappingTextBoxFlag xmlns="" xmlns:m="http://schemas.openxmlformats.org/officeDocument/2006/math" xmlns:a14="http://schemas.microsoft.com/office/drawing/2010/main" xmlns:ma14="http://schemas.microsoft.com/office/mac/drawingml/2011/main" val="1"/>
                   </a:ext>
                 </a:extLst>
               </p:spPr>
@@ -14737,7 +14737,7 @@
               <a:effectLst/>
               <a:extLst>
                 <a:ext uri="{C572A759-6A51-4108-AA02-DFA0A04FC94B}">
-                  <ma14:wrappingTextBoxFlag xmlns:ma14="http://schemas.microsoft.com/office/mac/drawingml/2011/main" xmlns:a14="http://schemas.microsoft.com/office/drawing/2010/main" xmlns:m="http://schemas.openxmlformats.org/officeDocument/2006/math" xmlns="" val="1"/>
+                  <ma14:wrappingTextBoxFlag xmlns="" xmlns:m="http://schemas.openxmlformats.org/officeDocument/2006/math" xmlns:a14="http://schemas.microsoft.com/office/drawing/2010/main" xmlns:ma14="http://schemas.microsoft.com/office/mac/drawingml/2011/main" val="1"/>
                 </a:ext>
               </a:extLst>
             </p:spPr>
@@ -15075,7 +15075,7 @@
                 <a:effectLst/>
                 <a:extLst>
                   <a:ext uri="{C572A759-6A51-4108-AA02-DFA0A04FC94B}">
-                    <ma14:wrappingTextBoxFlag xmlns:ma14="http://schemas.microsoft.com/office/mac/drawingml/2011/main" xmlns:a14="http://schemas.microsoft.com/office/drawing/2010/main" xmlns:m="http://schemas.openxmlformats.org/officeDocument/2006/math" xmlns="" val="1"/>
+                    <ma14:wrappingTextBoxFlag xmlns="" xmlns:m="http://schemas.openxmlformats.org/officeDocument/2006/math" xmlns:a14="http://schemas.microsoft.com/office/drawing/2010/main" xmlns:ma14="http://schemas.microsoft.com/office/mac/drawingml/2011/main" val="1"/>
                   </a:ext>
                 </a:extLst>
               </p:spPr>
@@ -16574,7 +16574,7 @@
           </a:ln>
           <a:extLst>
             <a:ext uri="{C572A759-6A51-4108-AA02-DFA0A04FC94B}">
-              <ma14:wrappingTextBoxFlag xmlns:ma14="http://schemas.microsoft.com/office/mac/drawingml/2011/main" xmlns:a14="http://schemas.microsoft.com/office/drawing/2010/main" xmlns:m="http://schemas.openxmlformats.org/officeDocument/2006/math" xmlns="" val="1"/>
+              <ma14:wrappingTextBoxFlag xmlns="" xmlns:m="http://schemas.openxmlformats.org/officeDocument/2006/math" xmlns:a14="http://schemas.microsoft.com/office/drawing/2010/main" xmlns:ma14="http://schemas.microsoft.com/office/mac/drawingml/2011/main" val="1"/>
             </a:ext>
           </a:extLst>
         </p:spPr>
@@ -16848,7 +16848,7 @@
               <a:effectLst/>
               <a:extLst>
                 <a:ext uri="{C572A759-6A51-4108-AA02-DFA0A04FC94B}">
-                  <ma14:wrappingTextBoxFlag xmlns:ma14="http://schemas.microsoft.com/office/mac/drawingml/2011/main" xmlns:a14="http://schemas.microsoft.com/office/drawing/2010/main" xmlns:m="http://schemas.openxmlformats.org/officeDocument/2006/math" xmlns="" val="1"/>
+                  <ma14:wrappingTextBoxFlag xmlns="" xmlns:m="http://schemas.openxmlformats.org/officeDocument/2006/math" xmlns:a14="http://schemas.microsoft.com/office/drawing/2010/main" xmlns:ma14="http://schemas.microsoft.com/office/mac/drawingml/2011/main" val="1"/>
                 </a:ext>
               </a:extLst>
             </p:spPr>
@@ -16953,7 +16953,7 @@
               <a:effectLst/>
               <a:extLst>
                 <a:ext uri="{C572A759-6A51-4108-AA02-DFA0A04FC94B}">
-                  <ma14:wrappingTextBoxFlag xmlns:ma14="http://schemas.microsoft.com/office/mac/drawingml/2011/main" xmlns:a14="http://schemas.microsoft.com/office/drawing/2010/main" xmlns:m="http://schemas.openxmlformats.org/officeDocument/2006/math" xmlns="" val="1"/>
+                  <ma14:wrappingTextBoxFlag xmlns="" xmlns:m="http://schemas.openxmlformats.org/officeDocument/2006/math" xmlns:a14="http://schemas.microsoft.com/office/drawing/2010/main" xmlns:ma14="http://schemas.microsoft.com/office/mac/drawingml/2011/main" val="1"/>
                 </a:ext>
               </a:extLst>
             </p:spPr>
@@ -17004,7 +17004,7 @@
             <a:effectLst/>
             <a:extLst>
               <a:ext uri="{C572A759-6A51-4108-AA02-DFA0A04FC94B}">
-                <ma14:wrappingTextBoxFlag xmlns:ma14="http://schemas.microsoft.com/office/mac/drawingml/2011/main" xmlns:a14="http://schemas.microsoft.com/office/drawing/2010/main" xmlns:m="http://schemas.openxmlformats.org/officeDocument/2006/math" xmlns="" val="1"/>
+                <ma14:wrappingTextBoxFlag xmlns="" xmlns:m="http://schemas.openxmlformats.org/officeDocument/2006/math" xmlns:a14="http://schemas.microsoft.com/office/drawing/2010/main" xmlns:ma14="http://schemas.microsoft.com/office/mac/drawingml/2011/main" val="1"/>
               </a:ext>
             </a:extLst>
           </p:spPr>
@@ -17108,7 +17108,7 @@
               <a:effectLst/>
               <a:extLst>
                 <a:ext uri="{C572A759-6A51-4108-AA02-DFA0A04FC94B}">
-                  <ma14:wrappingTextBoxFlag xmlns:ma14="http://schemas.microsoft.com/office/mac/drawingml/2011/main" xmlns:a14="http://schemas.microsoft.com/office/drawing/2010/main" xmlns:m="http://schemas.openxmlformats.org/officeDocument/2006/math" xmlns="" val="1"/>
+                  <ma14:wrappingTextBoxFlag xmlns="" xmlns:m="http://schemas.openxmlformats.org/officeDocument/2006/math" xmlns:a14="http://schemas.microsoft.com/office/drawing/2010/main" xmlns:ma14="http://schemas.microsoft.com/office/mac/drawingml/2011/main" val="1"/>
                 </a:ext>
               </a:extLst>
             </p:spPr>
@@ -17159,7 +17159,7 @@
             <a:effectLst/>
             <a:extLst>
               <a:ext uri="{C572A759-6A51-4108-AA02-DFA0A04FC94B}">
-                <ma14:wrappingTextBoxFlag xmlns:ma14="http://schemas.microsoft.com/office/mac/drawingml/2011/main" xmlns:a14="http://schemas.microsoft.com/office/drawing/2010/main" xmlns:m="http://schemas.openxmlformats.org/officeDocument/2006/math" xmlns="" val="1"/>
+                <ma14:wrappingTextBoxFlag xmlns="" xmlns:m="http://schemas.openxmlformats.org/officeDocument/2006/math" xmlns:a14="http://schemas.microsoft.com/office/drawing/2010/main" xmlns:ma14="http://schemas.microsoft.com/office/mac/drawingml/2011/main" val="1"/>
               </a:ext>
             </a:extLst>
           </p:spPr>
@@ -17479,7 +17479,7 @@
                 <a:effectLst/>
                 <a:extLst>
                   <a:ext uri="{C572A759-6A51-4108-AA02-DFA0A04FC94B}">
-                    <ma14:wrappingTextBoxFlag xmlns:ma14="http://schemas.microsoft.com/office/mac/drawingml/2011/main" xmlns:a14="http://schemas.microsoft.com/office/drawing/2010/main" xmlns:m="http://schemas.openxmlformats.org/officeDocument/2006/math" xmlns="" val="1"/>
+                    <ma14:wrappingTextBoxFlag xmlns="" xmlns:m="http://schemas.openxmlformats.org/officeDocument/2006/math" xmlns:a14="http://schemas.microsoft.com/office/drawing/2010/main" xmlns:ma14="http://schemas.microsoft.com/office/mac/drawingml/2011/main" val="1"/>
                   </a:ext>
                 </a:extLst>
               </p:spPr>
@@ -17584,7 +17584,7 @@
                 <a:effectLst/>
                 <a:extLst>
                   <a:ext uri="{C572A759-6A51-4108-AA02-DFA0A04FC94B}">
-                    <ma14:wrappingTextBoxFlag xmlns:ma14="http://schemas.microsoft.com/office/mac/drawingml/2011/main" xmlns:a14="http://schemas.microsoft.com/office/drawing/2010/main" xmlns:m="http://schemas.openxmlformats.org/officeDocument/2006/math" xmlns="" val="1"/>
+                    <ma14:wrappingTextBoxFlag xmlns="" xmlns:m="http://schemas.openxmlformats.org/officeDocument/2006/math" xmlns:a14="http://schemas.microsoft.com/office/drawing/2010/main" xmlns:ma14="http://schemas.microsoft.com/office/mac/drawingml/2011/main" val="1"/>
                   </a:ext>
                 </a:extLst>
               </p:spPr>
@@ -17635,7 +17635,7 @@
               <a:effectLst/>
               <a:extLst>
                 <a:ext uri="{C572A759-6A51-4108-AA02-DFA0A04FC94B}">
-                  <ma14:wrappingTextBoxFlag xmlns:ma14="http://schemas.microsoft.com/office/mac/drawingml/2011/main" xmlns:a14="http://schemas.microsoft.com/office/drawing/2010/main" xmlns:m="http://schemas.openxmlformats.org/officeDocument/2006/math" xmlns="" val="1"/>
+                  <ma14:wrappingTextBoxFlag xmlns="" xmlns:m="http://schemas.openxmlformats.org/officeDocument/2006/math" xmlns:a14="http://schemas.microsoft.com/office/drawing/2010/main" xmlns:ma14="http://schemas.microsoft.com/office/mac/drawingml/2011/main" val="1"/>
                 </a:ext>
               </a:extLst>
             </p:spPr>
@@ -17746,7 +17746,7 @@
                 <a:effectLst/>
                 <a:extLst>
                   <a:ext uri="{C572A759-6A51-4108-AA02-DFA0A04FC94B}">
-                    <ma14:wrappingTextBoxFlag xmlns:ma14="http://schemas.microsoft.com/office/mac/drawingml/2011/main" xmlns:a14="http://schemas.microsoft.com/office/drawing/2010/main" xmlns:m="http://schemas.openxmlformats.org/officeDocument/2006/math" xmlns="" val="1"/>
+                    <ma14:wrappingTextBoxFlag xmlns="" xmlns:m="http://schemas.openxmlformats.org/officeDocument/2006/math" xmlns:a14="http://schemas.microsoft.com/office/drawing/2010/main" xmlns:ma14="http://schemas.microsoft.com/office/mac/drawingml/2011/main" val="1"/>
                   </a:ext>
                 </a:extLst>
               </p:spPr>
@@ -17797,7 +17797,7 @@
               <a:effectLst/>
               <a:extLst>
                 <a:ext uri="{C572A759-6A51-4108-AA02-DFA0A04FC94B}">
-                  <ma14:wrappingTextBoxFlag xmlns:ma14="http://schemas.microsoft.com/office/mac/drawingml/2011/main" xmlns:a14="http://schemas.microsoft.com/office/drawing/2010/main" xmlns:m="http://schemas.openxmlformats.org/officeDocument/2006/math" xmlns="" val="1"/>
+                  <ma14:wrappingTextBoxFlag xmlns="" xmlns:m="http://schemas.openxmlformats.org/officeDocument/2006/math" xmlns:a14="http://schemas.microsoft.com/office/drawing/2010/main" xmlns:ma14="http://schemas.microsoft.com/office/mac/drawingml/2011/main" val="1"/>
                 </a:ext>
               </a:extLst>
             </p:spPr>
@@ -18135,7 +18135,7 @@
                 <a:effectLst/>
                 <a:extLst>
                   <a:ext uri="{C572A759-6A51-4108-AA02-DFA0A04FC94B}">
-                    <ma14:wrappingTextBoxFlag xmlns:ma14="http://schemas.microsoft.com/office/mac/drawingml/2011/main" xmlns:a14="http://schemas.microsoft.com/office/drawing/2010/main" xmlns:m="http://schemas.openxmlformats.org/officeDocument/2006/math" xmlns="" val="1"/>
+                    <ma14:wrappingTextBoxFlag xmlns="" xmlns:m="http://schemas.openxmlformats.org/officeDocument/2006/math" xmlns:a14="http://schemas.microsoft.com/office/drawing/2010/main" xmlns:ma14="http://schemas.microsoft.com/office/mac/drawingml/2011/main" val="1"/>
                   </a:ext>
                 </a:extLst>
               </p:spPr>
@@ -19620,7 +19620,7 @@
           </a:ln>
           <a:extLst>
             <a:ext uri="{C572A759-6A51-4108-AA02-DFA0A04FC94B}">
-              <ma14:wrappingTextBoxFlag xmlns:ma14="http://schemas.microsoft.com/office/mac/drawingml/2011/main" xmlns:a14="http://schemas.microsoft.com/office/drawing/2010/main" xmlns:m="http://schemas.openxmlformats.org/officeDocument/2006/math" xmlns="" val="1"/>
+              <ma14:wrappingTextBoxFlag xmlns="" xmlns:m="http://schemas.openxmlformats.org/officeDocument/2006/math" xmlns:a14="http://schemas.microsoft.com/office/drawing/2010/main" xmlns:ma14="http://schemas.microsoft.com/office/mac/drawingml/2011/main" val="1"/>
             </a:ext>
           </a:extLst>
         </p:spPr>
@@ -19837,7 +19837,7 @@
                 <a:effectLst/>
                 <a:extLst>
                   <a:ext uri="{C572A759-6A51-4108-AA02-DFA0A04FC94B}">
-                    <ma14:wrappingTextBoxFlag xmlns:ma14="http://schemas.microsoft.com/office/mac/drawingml/2011/main" xmlns:a14="http://schemas.microsoft.com/office/drawing/2010/main" xmlns:m="http://schemas.openxmlformats.org/officeDocument/2006/math" xmlns="" val="1"/>
+                    <ma14:wrappingTextBoxFlag xmlns="" xmlns:m="http://schemas.openxmlformats.org/officeDocument/2006/math" xmlns:a14="http://schemas.microsoft.com/office/drawing/2010/main" xmlns:ma14="http://schemas.microsoft.com/office/mac/drawingml/2011/main" val="1"/>
                   </a:ext>
                 </a:extLst>
               </p:spPr>
@@ -19942,7 +19942,7 @@
                 <a:effectLst/>
                 <a:extLst>
                   <a:ext uri="{C572A759-6A51-4108-AA02-DFA0A04FC94B}">
-                    <ma14:wrappingTextBoxFlag xmlns:ma14="http://schemas.microsoft.com/office/mac/drawingml/2011/main" xmlns:a14="http://schemas.microsoft.com/office/drawing/2010/main" xmlns:m="http://schemas.openxmlformats.org/officeDocument/2006/math" xmlns="" val="1"/>
+                    <ma14:wrappingTextBoxFlag xmlns="" xmlns:m="http://schemas.openxmlformats.org/officeDocument/2006/math" xmlns:a14="http://schemas.microsoft.com/office/drawing/2010/main" xmlns:ma14="http://schemas.microsoft.com/office/mac/drawingml/2011/main" val="1"/>
                   </a:ext>
                 </a:extLst>
               </p:spPr>
@@ -19993,7 +19993,7 @@
               <a:effectLst/>
               <a:extLst>
                 <a:ext uri="{C572A759-6A51-4108-AA02-DFA0A04FC94B}">
-                  <ma14:wrappingTextBoxFlag xmlns:ma14="http://schemas.microsoft.com/office/mac/drawingml/2011/main" xmlns:a14="http://schemas.microsoft.com/office/drawing/2010/main" xmlns:m="http://schemas.openxmlformats.org/officeDocument/2006/math" xmlns="" val="1"/>
+                  <ma14:wrappingTextBoxFlag xmlns="" xmlns:m="http://schemas.openxmlformats.org/officeDocument/2006/math" xmlns:a14="http://schemas.microsoft.com/office/drawing/2010/main" xmlns:ma14="http://schemas.microsoft.com/office/mac/drawingml/2011/main" val="1"/>
                 </a:ext>
               </a:extLst>
             </p:spPr>
@@ -20104,7 +20104,7 @@
                 <a:effectLst/>
                 <a:extLst>
                   <a:ext uri="{C572A759-6A51-4108-AA02-DFA0A04FC94B}">
-                    <ma14:wrappingTextBoxFlag xmlns:ma14="http://schemas.microsoft.com/office/mac/drawingml/2011/main" xmlns:a14="http://schemas.microsoft.com/office/drawing/2010/main" xmlns:m="http://schemas.openxmlformats.org/officeDocument/2006/math" xmlns="" val="1"/>
+                    <ma14:wrappingTextBoxFlag xmlns="" xmlns:m="http://schemas.openxmlformats.org/officeDocument/2006/math" xmlns:a14="http://schemas.microsoft.com/office/drawing/2010/main" xmlns:ma14="http://schemas.microsoft.com/office/mac/drawingml/2011/main" val="1"/>
                   </a:ext>
                 </a:extLst>
               </p:spPr>
@@ -20155,7 +20155,7 @@
               <a:effectLst/>
               <a:extLst>
                 <a:ext uri="{C572A759-6A51-4108-AA02-DFA0A04FC94B}">
-                  <ma14:wrappingTextBoxFlag xmlns:ma14="http://schemas.microsoft.com/office/mac/drawingml/2011/main" xmlns:a14="http://schemas.microsoft.com/office/drawing/2010/main" xmlns:m="http://schemas.openxmlformats.org/officeDocument/2006/math" xmlns="" val="1"/>
+                  <ma14:wrappingTextBoxFlag xmlns="" xmlns:m="http://schemas.openxmlformats.org/officeDocument/2006/math" xmlns:a14="http://schemas.microsoft.com/office/drawing/2010/main" xmlns:ma14="http://schemas.microsoft.com/office/mac/drawingml/2011/main" val="1"/>
                 </a:ext>
               </a:extLst>
             </p:spPr>
@@ -20493,7 +20493,7 @@
                 <a:effectLst/>
                 <a:extLst>
                   <a:ext uri="{C572A759-6A51-4108-AA02-DFA0A04FC94B}">
-                    <ma14:wrappingTextBoxFlag xmlns:ma14="http://schemas.microsoft.com/office/mac/drawingml/2011/main" xmlns:a14="http://schemas.microsoft.com/office/drawing/2010/main" xmlns:m="http://schemas.openxmlformats.org/officeDocument/2006/math" xmlns="" val="1"/>
+                    <ma14:wrappingTextBoxFlag xmlns="" xmlns:m="http://schemas.openxmlformats.org/officeDocument/2006/math" xmlns:a14="http://schemas.microsoft.com/office/drawing/2010/main" xmlns:ma14="http://schemas.microsoft.com/office/mac/drawingml/2011/main" val="1"/>
                   </a:ext>
                 </a:extLst>
               </p:spPr>
@@ -21978,7 +21978,7 @@
           </a:ln>
           <a:extLst>
             <a:ext uri="{C572A759-6A51-4108-AA02-DFA0A04FC94B}">
-              <ma14:wrappingTextBoxFlag xmlns:ma14="http://schemas.microsoft.com/office/mac/drawingml/2011/main" xmlns:a14="http://schemas.microsoft.com/office/drawing/2010/main" xmlns:m="http://schemas.openxmlformats.org/officeDocument/2006/math" xmlns="" val="1"/>
+              <ma14:wrappingTextBoxFlag xmlns="" xmlns:m="http://schemas.openxmlformats.org/officeDocument/2006/math" xmlns:a14="http://schemas.microsoft.com/office/drawing/2010/main" xmlns:ma14="http://schemas.microsoft.com/office/mac/drawingml/2011/main" val="1"/>
             </a:ext>
           </a:extLst>
         </p:spPr>
@@ -22292,7 +22292,7 @@
             <a:effectLst/>
             <a:extLst>
               <a:ext uri="{C572A759-6A51-4108-AA02-DFA0A04FC94B}">
-                <ma14:wrappingTextBoxFlag xmlns:ma14="http://schemas.microsoft.com/office/mac/drawingml/2011/main" xmlns:a14="http://schemas.microsoft.com/office/drawing/2010/main" xmlns:m="http://schemas.openxmlformats.org/officeDocument/2006/math" xmlns="" val="1"/>
+                <ma14:wrappingTextBoxFlag xmlns="" xmlns:m="http://schemas.openxmlformats.org/officeDocument/2006/math" xmlns:a14="http://schemas.microsoft.com/office/drawing/2010/main" xmlns:ma14="http://schemas.microsoft.com/office/mac/drawingml/2011/main" val="1"/>
               </a:ext>
             </a:extLst>
           </p:spPr>
@@ -22440,7 +22440,7 @@
                 <a:effectLst/>
                 <a:extLst>
                   <a:ext uri="{C572A759-6A51-4108-AA02-DFA0A04FC94B}">
-                    <ma14:wrappingTextBoxFlag xmlns:ma14="http://schemas.microsoft.com/office/mac/drawingml/2011/main" xmlns:a14="http://schemas.microsoft.com/office/drawing/2010/main" xmlns:m="http://schemas.openxmlformats.org/officeDocument/2006/math" xmlns="" val="1"/>
+                    <ma14:wrappingTextBoxFlag xmlns="" xmlns:m="http://schemas.openxmlformats.org/officeDocument/2006/math" xmlns:a14="http://schemas.microsoft.com/office/drawing/2010/main" xmlns:ma14="http://schemas.microsoft.com/office/mac/drawingml/2011/main" val="1"/>
                   </a:ext>
                 </a:extLst>
               </p:spPr>
@@ -22545,7 +22545,7 @@
                 <a:effectLst/>
                 <a:extLst>
                   <a:ext uri="{C572A759-6A51-4108-AA02-DFA0A04FC94B}">
-                    <ma14:wrappingTextBoxFlag xmlns:ma14="http://schemas.microsoft.com/office/mac/drawingml/2011/main" xmlns:a14="http://schemas.microsoft.com/office/drawing/2010/main" xmlns:m="http://schemas.openxmlformats.org/officeDocument/2006/math" xmlns="" val="1"/>
+                    <ma14:wrappingTextBoxFlag xmlns="" xmlns:m="http://schemas.openxmlformats.org/officeDocument/2006/math" xmlns:a14="http://schemas.microsoft.com/office/drawing/2010/main" xmlns:ma14="http://schemas.microsoft.com/office/mac/drawingml/2011/main" val="1"/>
                   </a:ext>
                 </a:extLst>
               </p:spPr>
@@ -22596,7 +22596,7 @@
               <a:effectLst/>
               <a:extLst>
                 <a:ext uri="{C572A759-6A51-4108-AA02-DFA0A04FC94B}">
-                  <ma14:wrappingTextBoxFlag xmlns:ma14="http://schemas.microsoft.com/office/mac/drawingml/2011/main" xmlns:a14="http://schemas.microsoft.com/office/drawing/2010/main" xmlns:m="http://schemas.openxmlformats.org/officeDocument/2006/math" xmlns="" val="1"/>
+                  <ma14:wrappingTextBoxFlag xmlns="" xmlns:m="http://schemas.openxmlformats.org/officeDocument/2006/math" xmlns:a14="http://schemas.microsoft.com/office/drawing/2010/main" xmlns:ma14="http://schemas.microsoft.com/office/mac/drawingml/2011/main" val="1"/>
                 </a:ext>
               </a:extLst>
             </p:spPr>
@@ -22707,7 +22707,7 @@
                 <a:effectLst/>
                 <a:extLst>
                   <a:ext uri="{C572A759-6A51-4108-AA02-DFA0A04FC94B}">
-                    <ma14:wrappingTextBoxFlag xmlns:ma14="http://schemas.microsoft.com/office/mac/drawingml/2011/main" xmlns:a14="http://schemas.microsoft.com/office/drawing/2010/main" xmlns:m="http://schemas.openxmlformats.org/officeDocument/2006/math" xmlns="" val="1"/>
+                    <ma14:wrappingTextBoxFlag xmlns="" xmlns:m="http://schemas.openxmlformats.org/officeDocument/2006/math" xmlns:a14="http://schemas.microsoft.com/office/drawing/2010/main" xmlns:ma14="http://schemas.microsoft.com/office/mac/drawingml/2011/main" val="1"/>
                   </a:ext>
                 </a:extLst>
               </p:spPr>
@@ -22758,7 +22758,7 @@
               <a:effectLst/>
               <a:extLst>
                 <a:ext uri="{C572A759-6A51-4108-AA02-DFA0A04FC94B}">
-                  <ma14:wrappingTextBoxFlag xmlns:ma14="http://schemas.microsoft.com/office/mac/drawingml/2011/main" xmlns:a14="http://schemas.microsoft.com/office/drawing/2010/main" xmlns:m="http://schemas.openxmlformats.org/officeDocument/2006/math" xmlns="" val="1"/>
+                  <ma14:wrappingTextBoxFlag xmlns="" xmlns:m="http://schemas.openxmlformats.org/officeDocument/2006/math" xmlns:a14="http://schemas.microsoft.com/office/drawing/2010/main" xmlns:ma14="http://schemas.microsoft.com/office/mac/drawingml/2011/main" val="1"/>
                 </a:ext>
               </a:extLst>
             </p:spPr>
@@ -22894,7 +22894,7 @@
                   <a:effectLst/>
                   <a:extLst>
                     <a:ext uri="{C572A759-6A51-4108-AA02-DFA0A04FC94B}">
-                      <ma14:wrappingTextBoxFlag xmlns:ma14="http://schemas.microsoft.com/office/mac/drawingml/2011/main" xmlns:a14="http://schemas.microsoft.com/office/drawing/2010/main" xmlns:m="http://schemas.openxmlformats.org/officeDocument/2006/math" xmlns="" val="1"/>
+                      <ma14:wrappingTextBoxFlag xmlns="" xmlns:m="http://schemas.openxmlformats.org/officeDocument/2006/math" xmlns:a14="http://schemas.microsoft.com/office/drawing/2010/main" xmlns:ma14="http://schemas.microsoft.com/office/mac/drawingml/2011/main" val="1"/>
                     </a:ext>
                   </a:extLst>
                 </p:spPr>
@@ -23517,7 +23517,7 @@
                 <a:effectLst/>
                 <a:extLst>
                   <a:ext uri="{C572A759-6A51-4108-AA02-DFA0A04FC94B}">
-                    <ma14:wrappingTextBoxFlag xmlns:ma14="http://schemas.microsoft.com/office/mac/drawingml/2011/main" xmlns:a14="http://schemas.microsoft.com/office/drawing/2010/main" xmlns:m="http://schemas.openxmlformats.org/officeDocument/2006/math" xmlns="" val="1"/>
+                    <ma14:wrappingTextBoxFlag xmlns="" xmlns:m="http://schemas.openxmlformats.org/officeDocument/2006/math" xmlns:a14="http://schemas.microsoft.com/office/drawing/2010/main" xmlns:ma14="http://schemas.microsoft.com/office/mac/drawingml/2011/main" val="1"/>
                   </a:ext>
                 </a:extLst>
               </p:spPr>
@@ -23622,7 +23622,7 @@
                 <a:effectLst/>
                 <a:extLst>
                   <a:ext uri="{C572A759-6A51-4108-AA02-DFA0A04FC94B}">
-                    <ma14:wrappingTextBoxFlag xmlns:ma14="http://schemas.microsoft.com/office/mac/drawingml/2011/main" xmlns:a14="http://schemas.microsoft.com/office/drawing/2010/main" xmlns:m="http://schemas.openxmlformats.org/officeDocument/2006/math" xmlns="" val="1"/>
+                    <ma14:wrappingTextBoxFlag xmlns="" xmlns:m="http://schemas.openxmlformats.org/officeDocument/2006/math" xmlns:a14="http://schemas.microsoft.com/office/drawing/2010/main" xmlns:ma14="http://schemas.microsoft.com/office/mac/drawingml/2011/main" val="1"/>
                   </a:ext>
                 </a:extLst>
               </p:spPr>
@@ -23673,7 +23673,7 @@
               <a:effectLst/>
               <a:extLst>
                 <a:ext uri="{C572A759-6A51-4108-AA02-DFA0A04FC94B}">
-                  <ma14:wrappingTextBoxFlag xmlns:ma14="http://schemas.microsoft.com/office/mac/drawingml/2011/main" xmlns:a14="http://schemas.microsoft.com/office/drawing/2010/main" xmlns:m="http://schemas.openxmlformats.org/officeDocument/2006/math" xmlns="" val="1"/>
+                  <ma14:wrappingTextBoxFlag xmlns="" xmlns:m="http://schemas.openxmlformats.org/officeDocument/2006/math" xmlns:a14="http://schemas.microsoft.com/office/drawing/2010/main" xmlns:ma14="http://schemas.microsoft.com/office/mac/drawingml/2011/main" val="1"/>
                 </a:ext>
               </a:extLst>
             </p:spPr>
@@ -23784,7 +23784,7 @@
                 <a:effectLst/>
                 <a:extLst>
                   <a:ext uri="{C572A759-6A51-4108-AA02-DFA0A04FC94B}">
-                    <ma14:wrappingTextBoxFlag xmlns:ma14="http://schemas.microsoft.com/office/mac/drawingml/2011/main" xmlns:a14="http://schemas.microsoft.com/office/drawing/2010/main" xmlns:m="http://schemas.openxmlformats.org/officeDocument/2006/math" xmlns="" val="1"/>
+                    <ma14:wrappingTextBoxFlag xmlns="" xmlns:m="http://schemas.openxmlformats.org/officeDocument/2006/math" xmlns:a14="http://schemas.microsoft.com/office/drawing/2010/main" xmlns:ma14="http://schemas.microsoft.com/office/mac/drawingml/2011/main" val="1"/>
                   </a:ext>
                 </a:extLst>
               </p:spPr>
@@ -23835,7 +23835,7 @@
               <a:effectLst/>
               <a:extLst>
                 <a:ext uri="{C572A759-6A51-4108-AA02-DFA0A04FC94B}">
-                  <ma14:wrappingTextBoxFlag xmlns:ma14="http://schemas.microsoft.com/office/mac/drawingml/2011/main" xmlns:a14="http://schemas.microsoft.com/office/drawing/2010/main" xmlns:m="http://schemas.openxmlformats.org/officeDocument/2006/math" xmlns="" val="1"/>
+                  <ma14:wrappingTextBoxFlag xmlns="" xmlns:m="http://schemas.openxmlformats.org/officeDocument/2006/math" xmlns:a14="http://schemas.microsoft.com/office/drawing/2010/main" xmlns:ma14="http://schemas.microsoft.com/office/mac/drawingml/2011/main" val="1"/>
                 </a:ext>
               </a:extLst>
             </p:spPr>
@@ -24173,7 +24173,7 @@
                 <a:effectLst/>
                 <a:extLst>
                   <a:ext uri="{C572A759-6A51-4108-AA02-DFA0A04FC94B}">
-                    <ma14:wrappingTextBoxFlag xmlns:ma14="http://schemas.microsoft.com/office/mac/drawingml/2011/main" xmlns:a14="http://schemas.microsoft.com/office/drawing/2010/main" xmlns:m="http://schemas.openxmlformats.org/officeDocument/2006/math" xmlns="" val="1"/>
+                    <ma14:wrappingTextBoxFlag xmlns="" xmlns:m="http://schemas.openxmlformats.org/officeDocument/2006/math" xmlns:a14="http://schemas.microsoft.com/office/drawing/2010/main" xmlns:ma14="http://schemas.microsoft.com/office/mac/drawingml/2011/main" val="1"/>
                   </a:ext>
                 </a:extLst>
               </p:spPr>
@@ -25668,7 +25668,7 @@
           </a:ln>
           <a:extLst>
             <a:ext uri="{C572A759-6A51-4108-AA02-DFA0A04FC94B}">
-              <ma14:wrappingTextBoxFlag xmlns:ma14="http://schemas.microsoft.com/office/mac/drawingml/2011/main" xmlns:a14="http://schemas.microsoft.com/office/drawing/2010/main" xmlns:m="http://schemas.openxmlformats.org/officeDocument/2006/math" xmlns="" val="1"/>
+              <ma14:wrappingTextBoxFlag xmlns="" xmlns:m="http://schemas.openxmlformats.org/officeDocument/2006/math" xmlns:a14="http://schemas.microsoft.com/office/drawing/2010/main" xmlns:ma14="http://schemas.microsoft.com/office/mac/drawingml/2011/main" val="1"/>
             </a:ext>
           </a:extLst>
         </p:spPr>
@@ -25889,7 +25889,7 @@
               <a:effectLst/>
               <a:extLst>
                 <a:ext uri="{C572A759-6A51-4108-AA02-DFA0A04FC94B}">
-                  <ma14:wrappingTextBoxFlag xmlns:ma14="http://schemas.microsoft.com/office/mac/drawingml/2011/main" xmlns:a14="http://schemas.microsoft.com/office/drawing/2010/main" xmlns:m="http://schemas.openxmlformats.org/officeDocument/2006/math" xmlns="" val="1"/>
+                  <ma14:wrappingTextBoxFlag xmlns="" xmlns:m="http://schemas.openxmlformats.org/officeDocument/2006/math" xmlns:a14="http://schemas.microsoft.com/office/drawing/2010/main" xmlns:ma14="http://schemas.microsoft.com/office/mac/drawingml/2011/main" val="1"/>
                 </a:ext>
               </a:extLst>
             </p:spPr>
@@ -27398,7 +27398,7 @@
             <a:effectLst/>
             <a:extLst>
               <a:ext uri="{C572A759-6A51-4108-AA02-DFA0A04FC94B}">
-                <ma14:wrappingTextBoxFlag xmlns:ma14="http://schemas.microsoft.com/office/mac/drawingml/2011/main" xmlns:a14="http://schemas.microsoft.com/office/drawing/2010/main" xmlns:m="http://schemas.openxmlformats.org/officeDocument/2006/math" xmlns="" val="1"/>
+                <ma14:wrappingTextBoxFlag xmlns="" xmlns:m="http://schemas.openxmlformats.org/officeDocument/2006/math" xmlns:a14="http://schemas.microsoft.com/office/drawing/2010/main" xmlns:ma14="http://schemas.microsoft.com/office/mac/drawingml/2011/main" val="1"/>
               </a:ext>
             </a:extLst>
           </p:spPr>
@@ -27454,7 +27454,7 @@
             <a:effectLst/>
             <a:extLst>
               <a:ext uri="{C572A759-6A51-4108-AA02-DFA0A04FC94B}">
-                <ma14:wrappingTextBoxFlag xmlns:ma14="http://schemas.microsoft.com/office/mac/drawingml/2011/main" xmlns:a14="http://schemas.microsoft.com/office/drawing/2010/main" xmlns:m="http://schemas.openxmlformats.org/officeDocument/2006/math" xmlns="" val="1"/>
+                <ma14:wrappingTextBoxFlag xmlns="" xmlns:m="http://schemas.openxmlformats.org/officeDocument/2006/math" xmlns:a14="http://schemas.microsoft.com/office/drawing/2010/main" xmlns:ma14="http://schemas.microsoft.com/office/mac/drawingml/2011/main" val="1"/>
               </a:ext>
             </a:extLst>
           </p:spPr>
@@ -27510,7 +27510,7 @@
             <a:effectLst/>
             <a:extLst>
               <a:ext uri="{C572A759-6A51-4108-AA02-DFA0A04FC94B}">
-                <ma14:wrappingTextBoxFlag xmlns:ma14="http://schemas.microsoft.com/office/mac/drawingml/2011/main" xmlns:a14="http://schemas.microsoft.com/office/drawing/2010/main" xmlns:m="http://schemas.openxmlformats.org/officeDocument/2006/math" xmlns="" val="1"/>
+                <ma14:wrappingTextBoxFlag xmlns="" xmlns:m="http://schemas.openxmlformats.org/officeDocument/2006/math" xmlns:a14="http://schemas.microsoft.com/office/drawing/2010/main" xmlns:ma14="http://schemas.microsoft.com/office/mac/drawingml/2011/main" val="1"/>
               </a:ext>
             </a:extLst>
           </p:spPr>
@@ -27639,7 +27639,7 @@
               <a:effectLst/>
               <a:extLst>
                 <a:ext uri="{C572A759-6A51-4108-AA02-DFA0A04FC94B}">
-                  <ma14:wrappingTextBoxFlag xmlns:ma14="http://schemas.microsoft.com/office/mac/drawingml/2011/main" xmlns:a14="http://schemas.microsoft.com/office/drawing/2010/main" xmlns:m="http://schemas.openxmlformats.org/officeDocument/2006/math" xmlns="" val="1"/>
+                  <ma14:wrappingTextBoxFlag xmlns="" xmlns:m="http://schemas.openxmlformats.org/officeDocument/2006/math" xmlns:a14="http://schemas.microsoft.com/office/drawing/2010/main" xmlns:ma14="http://schemas.microsoft.com/office/mac/drawingml/2011/main" val="1"/>
                 </a:ext>
               </a:extLst>
             </p:spPr>
@@ -27970,7 +27970,7 @@
                 <a:effectLst/>
                 <a:extLst>
                   <a:ext uri="{C572A759-6A51-4108-AA02-DFA0A04FC94B}">
-                    <ma14:wrappingTextBoxFlag xmlns:ma14="http://schemas.microsoft.com/office/mac/drawingml/2011/main" xmlns:a14="http://schemas.microsoft.com/office/drawing/2010/main" xmlns:m="http://schemas.openxmlformats.org/officeDocument/2006/math" xmlns="" val="1"/>
+                    <ma14:wrappingTextBoxFlag xmlns="" xmlns:m="http://schemas.openxmlformats.org/officeDocument/2006/math" xmlns:a14="http://schemas.microsoft.com/office/drawing/2010/main" xmlns:ma14="http://schemas.microsoft.com/office/mac/drawingml/2011/main" val="1"/>
                   </a:ext>
                 </a:extLst>
               </p:spPr>
@@ -28021,7 +28021,7 @@
               <a:effectLst/>
               <a:extLst>
                 <a:ext uri="{C572A759-6A51-4108-AA02-DFA0A04FC94B}">
-                  <ma14:wrappingTextBoxFlag xmlns:ma14="http://schemas.microsoft.com/office/mac/drawingml/2011/main" xmlns:a14="http://schemas.microsoft.com/office/drawing/2010/main" xmlns:m="http://schemas.openxmlformats.org/officeDocument/2006/math" xmlns="" val="1"/>
+                  <ma14:wrappingTextBoxFlag xmlns="" xmlns:m="http://schemas.openxmlformats.org/officeDocument/2006/math" xmlns:a14="http://schemas.microsoft.com/office/drawing/2010/main" xmlns:ma14="http://schemas.microsoft.com/office/mac/drawingml/2011/main" val="1"/>
                 </a:ext>
               </a:extLst>
             </p:spPr>
@@ -28123,7 +28123,7 @@
                 <a:effectLst/>
                 <a:extLst>
                   <a:ext uri="{C572A759-6A51-4108-AA02-DFA0A04FC94B}">
-                    <ma14:wrappingTextBoxFlag xmlns:ma14="http://schemas.microsoft.com/office/mac/drawingml/2011/main" xmlns:a14="http://schemas.microsoft.com/office/drawing/2010/main" xmlns:m="http://schemas.openxmlformats.org/officeDocument/2006/math" xmlns="" val="1"/>
+                    <ma14:wrappingTextBoxFlag xmlns="" xmlns:m="http://schemas.openxmlformats.org/officeDocument/2006/math" xmlns:a14="http://schemas.microsoft.com/office/drawing/2010/main" xmlns:ma14="http://schemas.microsoft.com/office/mac/drawingml/2011/main" val="1"/>
                   </a:ext>
                 </a:extLst>
               </p:spPr>
@@ -28174,7 +28174,7 @@
               <a:effectLst/>
               <a:extLst>
                 <a:ext uri="{C572A759-6A51-4108-AA02-DFA0A04FC94B}">
-                  <ma14:wrappingTextBoxFlag xmlns:ma14="http://schemas.microsoft.com/office/mac/drawingml/2011/main" xmlns:a14="http://schemas.microsoft.com/office/drawing/2010/main" xmlns:m="http://schemas.openxmlformats.org/officeDocument/2006/math" xmlns="" val="1"/>
+                  <ma14:wrappingTextBoxFlag xmlns="" xmlns:m="http://schemas.openxmlformats.org/officeDocument/2006/math" xmlns:a14="http://schemas.microsoft.com/office/drawing/2010/main" xmlns:ma14="http://schemas.microsoft.com/office/mac/drawingml/2011/main" val="1"/>
                 </a:ext>
               </a:extLst>
             </p:spPr>
@@ -28275,7 +28275,7 @@
                 <a:effectLst/>
                 <a:extLst>
                   <a:ext uri="{C572A759-6A51-4108-AA02-DFA0A04FC94B}">
-                    <ma14:wrappingTextBoxFlag xmlns:ma14="http://schemas.microsoft.com/office/mac/drawingml/2011/main" xmlns:a14="http://schemas.microsoft.com/office/drawing/2010/main" xmlns:m="http://schemas.openxmlformats.org/officeDocument/2006/math" xmlns="" val="1"/>
+                    <ma14:wrappingTextBoxFlag xmlns="" xmlns:m="http://schemas.openxmlformats.org/officeDocument/2006/math" xmlns:a14="http://schemas.microsoft.com/office/drawing/2010/main" xmlns:ma14="http://schemas.microsoft.com/office/mac/drawingml/2011/main" val="1"/>
                   </a:ext>
                 </a:extLst>
               </p:spPr>
@@ -28326,7 +28326,7 @@
               <a:effectLst/>
               <a:extLst>
                 <a:ext uri="{C572A759-6A51-4108-AA02-DFA0A04FC94B}">
-                  <ma14:wrappingTextBoxFlag xmlns:ma14="http://schemas.microsoft.com/office/mac/drawingml/2011/main" xmlns:a14="http://schemas.microsoft.com/office/drawing/2010/main" xmlns:m="http://schemas.openxmlformats.org/officeDocument/2006/math" xmlns="" val="1"/>
+                  <ma14:wrappingTextBoxFlag xmlns="" xmlns:m="http://schemas.openxmlformats.org/officeDocument/2006/math" xmlns:a14="http://schemas.microsoft.com/office/drawing/2010/main" xmlns:ma14="http://schemas.microsoft.com/office/mac/drawingml/2011/main" val="1"/>
                 </a:ext>
               </a:extLst>
             </p:spPr>
@@ -28422,7 +28422,7 @@
                 <a:effectLst/>
                 <a:extLst>
                   <a:ext uri="{C572A759-6A51-4108-AA02-DFA0A04FC94B}">
-                    <ma14:wrappingTextBoxFlag xmlns:ma14="http://schemas.microsoft.com/office/mac/drawingml/2011/main" xmlns:a14="http://schemas.microsoft.com/office/drawing/2010/main" xmlns:m="http://schemas.openxmlformats.org/officeDocument/2006/math" xmlns="" val="1"/>
+                    <ma14:wrappingTextBoxFlag xmlns="" xmlns:m="http://schemas.openxmlformats.org/officeDocument/2006/math" xmlns:a14="http://schemas.microsoft.com/office/drawing/2010/main" xmlns:ma14="http://schemas.microsoft.com/office/mac/drawingml/2011/main" val="1"/>
                   </a:ext>
                 </a:extLst>
               </p:spPr>
@@ -28473,7 +28473,7 @@
               <a:effectLst/>
               <a:extLst>
                 <a:ext uri="{C572A759-6A51-4108-AA02-DFA0A04FC94B}">
-                  <ma14:wrappingTextBoxFlag xmlns:ma14="http://schemas.microsoft.com/office/mac/drawingml/2011/main" xmlns:a14="http://schemas.microsoft.com/office/drawing/2010/main" xmlns:m="http://schemas.openxmlformats.org/officeDocument/2006/math" xmlns="" val="1"/>
+                  <ma14:wrappingTextBoxFlag xmlns="" xmlns:m="http://schemas.openxmlformats.org/officeDocument/2006/math" xmlns:a14="http://schemas.microsoft.com/office/drawing/2010/main" xmlns:ma14="http://schemas.microsoft.com/office/mac/drawingml/2011/main" val="1"/>
                 </a:ext>
               </a:extLst>
             </p:spPr>
@@ -28573,7 +28573,7 @@
                 <a:effectLst/>
                 <a:extLst>
                   <a:ext uri="{C572A759-6A51-4108-AA02-DFA0A04FC94B}">
-                    <ma14:wrappingTextBoxFlag xmlns:ma14="http://schemas.microsoft.com/office/mac/drawingml/2011/main" xmlns:a14="http://schemas.microsoft.com/office/drawing/2010/main" xmlns:m="http://schemas.openxmlformats.org/officeDocument/2006/math" xmlns="" val="1"/>
+                    <ma14:wrappingTextBoxFlag xmlns="" xmlns:m="http://schemas.openxmlformats.org/officeDocument/2006/math" xmlns:a14="http://schemas.microsoft.com/office/drawing/2010/main" xmlns:ma14="http://schemas.microsoft.com/office/mac/drawingml/2011/main" val="1"/>
                   </a:ext>
                 </a:extLst>
               </p:spPr>
@@ -28624,7 +28624,7 @@
               <a:effectLst/>
               <a:extLst>
                 <a:ext uri="{C572A759-6A51-4108-AA02-DFA0A04FC94B}">
-                  <ma14:wrappingTextBoxFlag xmlns:ma14="http://schemas.microsoft.com/office/mac/drawingml/2011/main" xmlns:a14="http://schemas.microsoft.com/office/drawing/2010/main" xmlns:m="http://schemas.openxmlformats.org/officeDocument/2006/math" xmlns="" val="1"/>
+                  <ma14:wrappingTextBoxFlag xmlns="" xmlns:m="http://schemas.openxmlformats.org/officeDocument/2006/math" xmlns:a14="http://schemas.microsoft.com/office/drawing/2010/main" xmlns:ma14="http://schemas.microsoft.com/office/mac/drawingml/2011/main" val="1"/>
                 </a:ext>
               </a:extLst>
             </p:spPr>
@@ -28725,7 +28725,7 @@
                 <a:effectLst/>
                 <a:extLst>
                   <a:ext uri="{C572A759-6A51-4108-AA02-DFA0A04FC94B}">
-                    <ma14:wrappingTextBoxFlag xmlns:ma14="http://schemas.microsoft.com/office/mac/drawingml/2011/main" xmlns:a14="http://schemas.microsoft.com/office/drawing/2010/main" xmlns:m="http://schemas.openxmlformats.org/officeDocument/2006/math" xmlns="" val="1"/>
+                    <ma14:wrappingTextBoxFlag xmlns="" xmlns:m="http://schemas.openxmlformats.org/officeDocument/2006/math" xmlns:a14="http://schemas.microsoft.com/office/drawing/2010/main" xmlns:ma14="http://schemas.microsoft.com/office/mac/drawingml/2011/main" val="1"/>
                   </a:ext>
                 </a:extLst>
               </p:spPr>
@@ -28776,7 +28776,7 @@
               <a:effectLst/>
               <a:extLst>
                 <a:ext uri="{C572A759-6A51-4108-AA02-DFA0A04FC94B}">
-                  <ma14:wrappingTextBoxFlag xmlns:ma14="http://schemas.microsoft.com/office/mac/drawingml/2011/main" xmlns:a14="http://schemas.microsoft.com/office/drawing/2010/main" xmlns:m="http://schemas.openxmlformats.org/officeDocument/2006/math" xmlns="" val="1"/>
+                  <ma14:wrappingTextBoxFlag xmlns="" xmlns:m="http://schemas.openxmlformats.org/officeDocument/2006/math" xmlns:a14="http://schemas.microsoft.com/office/drawing/2010/main" xmlns:ma14="http://schemas.microsoft.com/office/mac/drawingml/2011/main" val="1"/>
                 </a:ext>
               </a:extLst>
             </p:spPr>
@@ -28877,7 +28877,7 @@
                 <a:effectLst/>
                 <a:extLst>
                   <a:ext uri="{C572A759-6A51-4108-AA02-DFA0A04FC94B}">
-                    <ma14:wrappingTextBoxFlag xmlns:ma14="http://schemas.microsoft.com/office/mac/drawingml/2011/main" xmlns:a14="http://schemas.microsoft.com/office/drawing/2010/main" xmlns:m="http://schemas.openxmlformats.org/officeDocument/2006/math" xmlns="" val="1"/>
+                    <ma14:wrappingTextBoxFlag xmlns="" xmlns:m="http://schemas.openxmlformats.org/officeDocument/2006/math" xmlns:a14="http://schemas.microsoft.com/office/drawing/2010/main" xmlns:ma14="http://schemas.microsoft.com/office/mac/drawingml/2011/main" val="1"/>
                   </a:ext>
                 </a:extLst>
               </p:spPr>
@@ -28928,7 +28928,7 @@
               <a:effectLst/>
               <a:extLst>
                 <a:ext uri="{C572A759-6A51-4108-AA02-DFA0A04FC94B}">
-                  <ma14:wrappingTextBoxFlag xmlns:ma14="http://schemas.microsoft.com/office/mac/drawingml/2011/main" xmlns:a14="http://schemas.microsoft.com/office/drawing/2010/main" xmlns:m="http://schemas.openxmlformats.org/officeDocument/2006/math" xmlns="" val="1"/>
+                  <ma14:wrappingTextBoxFlag xmlns="" xmlns:m="http://schemas.openxmlformats.org/officeDocument/2006/math" xmlns:a14="http://schemas.microsoft.com/office/drawing/2010/main" xmlns:ma14="http://schemas.microsoft.com/office/mac/drawingml/2011/main" val="1"/>
                 </a:ext>
               </a:extLst>
             </p:spPr>
@@ -29029,7 +29029,7 @@
                 <a:effectLst/>
                 <a:extLst>
                   <a:ext uri="{C572A759-6A51-4108-AA02-DFA0A04FC94B}">
-                    <ma14:wrappingTextBoxFlag xmlns:ma14="http://schemas.microsoft.com/office/mac/drawingml/2011/main" xmlns:a14="http://schemas.microsoft.com/office/drawing/2010/main" xmlns:m="http://schemas.openxmlformats.org/officeDocument/2006/math" xmlns="" val="1"/>
+                    <ma14:wrappingTextBoxFlag xmlns="" xmlns:m="http://schemas.openxmlformats.org/officeDocument/2006/math" xmlns:a14="http://schemas.microsoft.com/office/drawing/2010/main" xmlns:ma14="http://schemas.microsoft.com/office/mac/drawingml/2011/main" val="1"/>
                   </a:ext>
                 </a:extLst>
               </p:spPr>
@@ -29080,7 +29080,7 @@
               <a:effectLst/>
               <a:extLst>
                 <a:ext uri="{C572A759-6A51-4108-AA02-DFA0A04FC94B}">
-                  <ma14:wrappingTextBoxFlag xmlns:ma14="http://schemas.microsoft.com/office/mac/drawingml/2011/main" xmlns:a14="http://schemas.microsoft.com/office/drawing/2010/main" xmlns:m="http://schemas.openxmlformats.org/officeDocument/2006/math" xmlns="" val="1"/>
+                  <ma14:wrappingTextBoxFlag xmlns="" xmlns:m="http://schemas.openxmlformats.org/officeDocument/2006/math" xmlns:a14="http://schemas.microsoft.com/office/drawing/2010/main" xmlns:ma14="http://schemas.microsoft.com/office/mac/drawingml/2011/main" val="1"/>
                 </a:ext>
               </a:extLst>
             </p:spPr>
@@ -29179,7 +29179,7 @@
                 <a:effectLst/>
                 <a:extLst>
                   <a:ext uri="{C572A759-6A51-4108-AA02-DFA0A04FC94B}">
-                    <ma14:wrappingTextBoxFlag xmlns:ma14="http://schemas.microsoft.com/office/mac/drawingml/2011/main" xmlns:a14="http://schemas.microsoft.com/office/drawing/2010/main" xmlns:m="http://schemas.openxmlformats.org/officeDocument/2006/math" xmlns="" val="1"/>
+                    <ma14:wrappingTextBoxFlag xmlns="" xmlns:m="http://schemas.openxmlformats.org/officeDocument/2006/math" xmlns:a14="http://schemas.microsoft.com/office/drawing/2010/main" xmlns:ma14="http://schemas.microsoft.com/office/mac/drawingml/2011/main" val="1"/>
                   </a:ext>
                 </a:extLst>
               </p:spPr>
@@ -29230,7 +29230,7 @@
               <a:effectLst/>
               <a:extLst>
                 <a:ext uri="{C572A759-6A51-4108-AA02-DFA0A04FC94B}">
-                  <ma14:wrappingTextBoxFlag xmlns:ma14="http://schemas.microsoft.com/office/mac/drawingml/2011/main" xmlns:a14="http://schemas.microsoft.com/office/drawing/2010/main" xmlns:m="http://schemas.openxmlformats.org/officeDocument/2006/math" xmlns="" val="1"/>
+                  <ma14:wrappingTextBoxFlag xmlns="" xmlns:m="http://schemas.openxmlformats.org/officeDocument/2006/math" xmlns:a14="http://schemas.microsoft.com/office/drawing/2010/main" xmlns:ma14="http://schemas.microsoft.com/office/mac/drawingml/2011/main" val="1"/>
                 </a:ext>
               </a:extLst>
             </p:spPr>
@@ -29283,7 +29283,7 @@
             <a:effectLst/>
             <a:extLst>
               <a:ext uri="{C572A759-6A51-4108-AA02-DFA0A04FC94B}">
-                <ma14:wrappingTextBoxFlag xmlns:ma14="http://schemas.microsoft.com/office/mac/drawingml/2011/main" xmlns:a14="http://schemas.microsoft.com/office/drawing/2010/main" xmlns:m="http://schemas.openxmlformats.org/officeDocument/2006/math" xmlns="" val="1"/>
+                <ma14:wrappingTextBoxFlag xmlns="" xmlns:m="http://schemas.openxmlformats.org/officeDocument/2006/math" xmlns:a14="http://schemas.microsoft.com/office/drawing/2010/main" xmlns:ma14="http://schemas.microsoft.com/office/mac/drawingml/2011/main" val="1"/>
               </a:ext>
             </a:extLst>
           </p:spPr>
@@ -29485,7 +29485,7 @@
               <a:effectLst/>
               <a:extLst>
                 <a:ext uri="{C572A759-6A51-4108-AA02-DFA0A04FC94B}">
-                  <ma14:wrappingTextBoxFlag xmlns:ma14="http://schemas.microsoft.com/office/mac/drawingml/2011/main" xmlns:a14="http://schemas.microsoft.com/office/drawing/2010/main" xmlns:m="http://schemas.openxmlformats.org/officeDocument/2006/math" xmlns="" val="1"/>
+                  <ma14:wrappingTextBoxFlag xmlns="" xmlns:m="http://schemas.openxmlformats.org/officeDocument/2006/math" xmlns:a14="http://schemas.microsoft.com/office/drawing/2010/main" xmlns:ma14="http://schemas.microsoft.com/office/mac/drawingml/2011/main" val="1"/>
                 </a:ext>
               </a:extLst>
             </p:spPr>
@@ -29590,7 +29590,7 @@
               <a:effectLst/>
               <a:extLst>
                 <a:ext uri="{C572A759-6A51-4108-AA02-DFA0A04FC94B}">
-                  <ma14:wrappingTextBoxFlag xmlns:ma14="http://schemas.microsoft.com/office/mac/drawingml/2011/main" xmlns:a14="http://schemas.microsoft.com/office/drawing/2010/main" xmlns:m="http://schemas.openxmlformats.org/officeDocument/2006/math" xmlns="" val="1"/>
+                  <ma14:wrappingTextBoxFlag xmlns="" xmlns:m="http://schemas.openxmlformats.org/officeDocument/2006/math" xmlns:a14="http://schemas.microsoft.com/office/drawing/2010/main" xmlns:ma14="http://schemas.microsoft.com/office/mac/drawingml/2011/main" val="1"/>
                 </a:ext>
               </a:extLst>
             </p:spPr>
@@ -29641,7 +29641,7 @@
             <a:effectLst/>
             <a:extLst>
               <a:ext uri="{C572A759-6A51-4108-AA02-DFA0A04FC94B}">
-                <ma14:wrappingTextBoxFlag xmlns:ma14="http://schemas.microsoft.com/office/mac/drawingml/2011/main" xmlns:a14="http://schemas.microsoft.com/office/drawing/2010/main" xmlns:m="http://schemas.openxmlformats.org/officeDocument/2006/math" xmlns="" val="1"/>
+                <ma14:wrappingTextBoxFlag xmlns="" xmlns:m="http://schemas.openxmlformats.org/officeDocument/2006/math" xmlns:a14="http://schemas.microsoft.com/office/drawing/2010/main" xmlns:ma14="http://schemas.microsoft.com/office/mac/drawingml/2011/main" val="1"/>
               </a:ext>
             </a:extLst>
           </p:spPr>
@@ -29745,7 +29745,7 @@
               <a:effectLst/>
               <a:extLst>
                 <a:ext uri="{C572A759-6A51-4108-AA02-DFA0A04FC94B}">
-                  <ma14:wrappingTextBoxFlag xmlns:ma14="http://schemas.microsoft.com/office/mac/drawingml/2011/main" xmlns:a14="http://schemas.microsoft.com/office/drawing/2010/main" xmlns:m="http://schemas.openxmlformats.org/officeDocument/2006/math" xmlns="" val="1"/>
+                  <ma14:wrappingTextBoxFlag xmlns="" xmlns:m="http://schemas.openxmlformats.org/officeDocument/2006/math" xmlns:a14="http://schemas.microsoft.com/office/drawing/2010/main" xmlns:ma14="http://schemas.microsoft.com/office/mac/drawingml/2011/main" val="1"/>
                 </a:ext>
               </a:extLst>
             </p:spPr>
@@ -29796,7 +29796,7 @@
             <a:effectLst/>
             <a:extLst>
               <a:ext uri="{C572A759-6A51-4108-AA02-DFA0A04FC94B}">
-                <ma14:wrappingTextBoxFlag xmlns:ma14="http://schemas.microsoft.com/office/mac/drawingml/2011/main" xmlns:a14="http://schemas.microsoft.com/office/drawing/2010/main" xmlns:m="http://schemas.openxmlformats.org/officeDocument/2006/math" xmlns="" val="1"/>
+                <ma14:wrappingTextBoxFlag xmlns="" xmlns:m="http://schemas.openxmlformats.org/officeDocument/2006/math" xmlns:a14="http://schemas.microsoft.com/office/drawing/2010/main" xmlns:ma14="http://schemas.microsoft.com/office/mac/drawingml/2011/main" val="1"/>
               </a:ext>
             </a:extLst>
           </p:spPr>
@@ -30010,7 +30010,7 @@
               <a:effectLst/>
               <a:extLst>
                 <a:ext uri="{C572A759-6A51-4108-AA02-DFA0A04FC94B}">
-                  <ma14:wrappingTextBoxFlag xmlns:ma14="http://schemas.microsoft.com/office/mac/drawingml/2011/main" xmlns:a14="http://schemas.microsoft.com/office/drawing/2010/main" xmlns:m="http://schemas.openxmlformats.org/officeDocument/2006/math" xmlns="" val="1"/>
+                  <ma14:wrappingTextBoxFlag xmlns="" xmlns:m="http://schemas.openxmlformats.org/officeDocument/2006/math" xmlns:a14="http://schemas.microsoft.com/office/drawing/2010/main" xmlns:ma14="http://schemas.microsoft.com/office/mac/drawingml/2011/main" val="1"/>
                 </a:ext>
               </a:extLst>
             </p:spPr>
@@ -30115,7 +30115,7 @@
               <a:effectLst/>
               <a:extLst>
                 <a:ext uri="{C572A759-6A51-4108-AA02-DFA0A04FC94B}">
-                  <ma14:wrappingTextBoxFlag xmlns:ma14="http://schemas.microsoft.com/office/mac/drawingml/2011/main" xmlns:a14="http://schemas.microsoft.com/office/drawing/2010/main" xmlns:m="http://schemas.openxmlformats.org/officeDocument/2006/math" xmlns="" val="1"/>
+                  <ma14:wrappingTextBoxFlag xmlns="" xmlns:m="http://schemas.openxmlformats.org/officeDocument/2006/math" xmlns:a14="http://schemas.microsoft.com/office/drawing/2010/main" xmlns:ma14="http://schemas.microsoft.com/office/mac/drawingml/2011/main" val="1"/>
                 </a:ext>
               </a:extLst>
             </p:spPr>
@@ -30166,7 +30166,7 @@
             <a:effectLst/>
             <a:extLst>
               <a:ext uri="{C572A759-6A51-4108-AA02-DFA0A04FC94B}">
-                <ma14:wrappingTextBoxFlag xmlns:ma14="http://schemas.microsoft.com/office/mac/drawingml/2011/main" xmlns:a14="http://schemas.microsoft.com/office/drawing/2010/main" xmlns:m="http://schemas.openxmlformats.org/officeDocument/2006/math" xmlns="" val="1"/>
+                <ma14:wrappingTextBoxFlag xmlns="" xmlns:m="http://schemas.openxmlformats.org/officeDocument/2006/math" xmlns:a14="http://schemas.microsoft.com/office/drawing/2010/main" xmlns:ma14="http://schemas.microsoft.com/office/mac/drawingml/2011/main" val="1"/>
               </a:ext>
             </a:extLst>
           </p:spPr>
@@ -30270,7 +30270,7 @@
               <a:effectLst/>
               <a:extLst>
                 <a:ext uri="{C572A759-6A51-4108-AA02-DFA0A04FC94B}">
-                  <ma14:wrappingTextBoxFlag xmlns:ma14="http://schemas.microsoft.com/office/mac/drawingml/2011/main" xmlns:a14="http://schemas.microsoft.com/office/drawing/2010/main" xmlns:m="http://schemas.openxmlformats.org/officeDocument/2006/math" xmlns="" val="1"/>
+                  <ma14:wrappingTextBoxFlag xmlns="" xmlns:m="http://schemas.openxmlformats.org/officeDocument/2006/math" xmlns:a14="http://schemas.microsoft.com/office/drawing/2010/main" xmlns:ma14="http://schemas.microsoft.com/office/mac/drawingml/2011/main" val="1"/>
                 </a:ext>
               </a:extLst>
             </p:spPr>
@@ -30321,7 +30321,7 @@
             <a:effectLst/>
             <a:extLst>
               <a:ext uri="{C572A759-6A51-4108-AA02-DFA0A04FC94B}">
-                <ma14:wrappingTextBoxFlag xmlns:ma14="http://schemas.microsoft.com/office/mac/drawingml/2011/main" xmlns:a14="http://schemas.microsoft.com/office/drawing/2010/main" xmlns:m="http://schemas.openxmlformats.org/officeDocument/2006/math" xmlns="" val="1"/>
+                <ma14:wrappingTextBoxFlag xmlns="" xmlns:m="http://schemas.openxmlformats.org/officeDocument/2006/math" xmlns:a14="http://schemas.microsoft.com/office/drawing/2010/main" xmlns:ma14="http://schemas.microsoft.com/office/mac/drawingml/2011/main" val="1"/>
               </a:ext>
             </a:extLst>
           </p:spPr>
@@ -30797,7 +30797,7 @@
           </a:ln>
           <a:extLst>
             <a:ext uri="{C572A759-6A51-4108-AA02-DFA0A04FC94B}">
-              <ma14:wrappingTextBoxFlag xmlns:ma14="http://schemas.microsoft.com/office/mac/drawingml/2011/main" xmlns:a14="http://schemas.microsoft.com/office/drawing/2010/main" xmlns:m="http://schemas.openxmlformats.org/officeDocument/2006/math" xmlns="" val="1"/>
+              <ma14:wrappingTextBoxFlag xmlns="" xmlns:m="http://schemas.openxmlformats.org/officeDocument/2006/math" xmlns:a14="http://schemas.microsoft.com/office/drawing/2010/main" xmlns:ma14="http://schemas.microsoft.com/office/mac/drawingml/2011/main" val="1"/>
             </a:ext>
           </a:extLst>
         </p:spPr>
@@ -30881,7 +30881,7 @@
           </a:ln>
           <a:extLst>
             <a:ext uri="{C572A759-6A51-4108-AA02-DFA0A04FC94B}">
-              <ma14:wrappingTextBoxFlag xmlns:ma14="http://schemas.microsoft.com/office/mac/drawingml/2011/main" xmlns:a14="http://schemas.microsoft.com/office/drawing/2010/main" xmlns:m="http://schemas.openxmlformats.org/officeDocument/2006/math" xmlns="" val="1"/>
+              <ma14:wrappingTextBoxFlag xmlns="" xmlns:m="http://schemas.openxmlformats.org/officeDocument/2006/math" xmlns:a14="http://schemas.microsoft.com/office/drawing/2010/main" xmlns:ma14="http://schemas.microsoft.com/office/mac/drawingml/2011/main" val="1"/>
             </a:ext>
           </a:extLst>
         </p:spPr>
@@ -31109,7 +31109,7 @@
           </a:ln>
           <a:extLst>
             <a:ext uri="{C572A759-6A51-4108-AA02-DFA0A04FC94B}">
-              <ma14:wrappingTextBoxFlag xmlns:ma14="http://schemas.microsoft.com/office/mac/drawingml/2011/main" xmlns:a14="http://schemas.microsoft.com/office/drawing/2010/main" xmlns:m="http://schemas.openxmlformats.org/officeDocument/2006/math" xmlns="" val="1"/>
+              <ma14:wrappingTextBoxFlag xmlns="" xmlns:m="http://schemas.openxmlformats.org/officeDocument/2006/math" xmlns:a14="http://schemas.microsoft.com/office/drawing/2010/main" xmlns:ma14="http://schemas.microsoft.com/office/mac/drawingml/2011/main" val="1"/>
             </a:ext>
           </a:extLst>
         </p:spPr>
@@ -31159,7 +31159,7 @@
           </a:ln>
           <a:extLst>
             <a:ext uri="{C572A759-6A51-4108-AA02-DFA0A04FC94B}">
-              <ma14:wrappingTextBoxFlag xmlns:ma14="http://schemas.microsoft.com/office/mac/drawingml/2011/main" xmlns:a14="http://schemas.microsoft.com/office/drawing/2010/main" xmlns:m="http://schemas.openxmlformats.org/officeDocument/2006/math" xmlns="" val="1"/>
+              <ma14:wrappingTextBoxFlag xmlns="" xmlns:m="http://schemas.openxmlformats.org/officeDocument/2006/math" xmlns:a14="http://schemas.microsoft.com/office/drawing/2010/main" xmlns:ma14="http://schemas.microsoft.com/office/mac/drawingml/2011/main" val="1"/>
             </a:ext>
           </a:extLst>
         </p:spPr>
@@ -31209,7 +31209,7 @@
           </a:ln>
           <a:extLst>
             <a:ext uri="{C572A759-6A51-4108-AA02-DFA0A04FC94B}">
-              <ma14:wrappingTextBoxFlag xmlns:ma14="http://schemas.microsoft.com/office/mac/drawingml/2011/main" xmlns:a14="http://schemas.microsoft.com/office/drawing/2010/main" xmlns:m="http://schemas.openxmlformats.org/officeDocument/2006/math" xmlns="" val="1"/>
+              <ma14:wrappingTextBoxFlag xmlns="" xmlns:m="http://schemas.openxmlformats.org/officeDocument/2006/math" xmlns:a14="http://schemas.microsoft.com/office/drawing/2010/main" xmlns:ma14="http://schemas.microsoft.com/office/mac/drawingml/2011/main" val="1"/>
             </a:ext>
           </a:extLst>
         </p:spPr>
@@ -31260,7 +31260,7 @@
           </a:ln>
           <a:extLst>
             <a:ext uri="{C572A759-6A51-4108-AA02-DFA0A04FC94B}">
-              <ma14:wrappingTextBoxFlag xmlns:ma14="http://schemas.microsoft.com/office/mac/drawingml/2011/main" xmlns:a14="http://schemas.microsoft.com/office/drawing/2010/main" xmlns:m="http://schemas.openxmlformats.org/officeDocument/2006/math" xmlns="" val="1"/>
+              <ma14:wrappingTextBoxFlag xmlns="" xmlns:m="http://schemas.openxmlformats.org/officeDocument/2006/math" xmlns:a14="http://schemas.microsoft.com/office/drawing/2010/main" xmlns:ma14="http://schemas.microsoft.com/office/mac/drawingml/2011/main" val="1"/>
             </a:ext>
           </a:extLst>
         </p:spPr>
@@ -31415,7 +31415,7 @@
             <a:effectLst/>
             <a:extLst>
               <a:ext uri="{C572A759-6A51-4108-AA02-DFA0A04FC94B}">
-                <ma14:wrappingTextBoxFlag xmlns:ma14="http://schemas.microsoft.com/office/mac/drawingml/2011/main" xmlns:a14="http://schemas.microsoft.com/office/drawing/2010/main" xmlns:m="http://schemas.openxmlformats.org/officeDocument/2006/math" xmlns="" val="1"/>
+                <ma14:wrappingTextBoxFlag xmlns="" xmlns:m="http://schemas.openxmlformats.org/officeDocument/2006/math" xmlns:a14="http://schemas.microsoft.com/office/drawing/2010/main" xmlns:ma14="http://schemas.microsoft.com/office/mac/drawingml/2011/main" val="1"/>
               </a:ext>
             </a:extLst>
           </p:spPr>
@@ -31462,7 +31462,7 @@
             <a:effectLst/>
             <a:extLst>
               <a:ext uri="{C572A759-6A51-4108-AA02-DFA0A04FC94B}">
-                <ma14:wrappingTextBoxFlag xmlns:ma14="http://schemas.microsoft.com/office/mac/drawingml/2011/main" xmlns:a14="http://schemas.microsoft.com/office/drawing/2010/main" xmlns:m="http://schemas.openxmlformats.org/officeDocument/2006/math" xmlns="" val="1"/>
+                <ma14:wrappingTextBoxFlag xmlns="" xmlns:m="http://schemas.openxmlformats.org/officeDocument/2006/math" xmlns:a14="http://schemas.microsoft.com/office/drawing/2010/main" xmlns:ma14="http://schemas.microsoft.com/office/mac/drawingml/2011/main" val="1"/>
               </a:ext>
             </a:extLst>
           </p:spPr>
@@ -31509,7 +31509,7 @@
             <a:effectLst/>
             <a:extLst>
               <a:ext uri="{C572A759-6A51-4108-AA02-DFA0A04FC94B}">
-                <ma14:wrappingTextBoxFlag xmlns:ma14="http://schemas.microsoft.com/office/mac/drawingml/2011/main" xmlns:a14="http://schemas.microsoft.com/office/drawing/2010/main" xmlns:m="http://schemas.openxmlformats.org/officeDocument/2006/math" xmlns="" val="1"/>
+                <ma14:wrappingTextBoxFlag xmlns="" xmlns:m="http://schemas.openxmlformats.org/officeDocument/2006/math" xmlns:a14="http://schemas.microsoft.com/office/drawing/2010/main" xmlns:ma14="http://schemas.microsoft.com/office/mac/drawingml/2011/main" val="1"/>
               </a:ext>
             </a:extLst>
           </p:spPr>
@@ -31851,7 +31851,7 @@
             <a:effectLst/>
             <a:extLst>
               <a:ext uri="{C572A759-6A51-4108-AA02-DFA0A04FC94B}">
-                <ma14:wrappingTextBoxFlag xmlns:ma14="http://schemas.microsoft.com/office/mac/drawingml/2011/main" xmlns:a14="http://schemas.microsoft.com/office/drawing/2010/main" xmlns:m="http://schemas.openxmlformats.org/officeDocument/2006/math" xmlns="" val="1"/>
+                <ma14:wrappingTextBoxFlag xmlns="" xmlns:m="http://schemas.openxmlformats.org/officeDocument/2006/math" xmlns:a14="http://schemas.microsoft.com/office/drawing/2010/main" xmlns:ma14="http://schemas.microsoft.com/office/mac/drawingml/2011/main" val="1"/>
               </a:ext>
             </a:extLst>
           </p:spPr>
@@ -31952,7 +31952,7 @@
             <a:effectLst/>
             <a:extLst>
               <a:ext uri="{C572A759-6A51-4108-AA02-DFA0A04FC94B}">
-                <ma14:wrappingTextBoxFlag xmlns:ma14="http://schemas.microsoft.com/office/mac/drawingml/2011/main" xmlns:a14="http://schemas.microsoft.com/office/drawing/2010/main" xmlns:m="http://schemas.openxmlformats.org/officeDocument/2006/math" xmlns="" val="1"/>
+                <ma14:wrappingTextBoxFlag xmlns="" xmlns:m="http://schemas.openxmlformats.org/officeDocument/2006/math" xmlns:a14="http://schemas.microsoft.com/office/drawing/2010/main" xmlns:ma14="http://schemas.microsoft.com/office/mac/drawingml/2011/main" val="1"/>
               </a:ext>
             </a:extLst>
           </p:spPr>
@@ -32060,7 +32060,7 @@
               <a:effectLst/>
               <a:extLst>
                 <a:ext uri="{C572A759-6A51-4108-AA02-DFA0A04FC94B}">
-                  <ma14:wrappingTextBoxFlag xmlns:ma14="http://schemas.microsoft.com/office/mac/drawingml/2011/main" xmlns:a14="http://schemas.microsoft.com/office/drawing/2010/main" xmlns:m="http://schemas.openxmlformats.org/officeDocument/2006/math" xmlns="" val="1"/>
+                  <ma14:wrappingTextBoxFlag xmlns="" xmlns:m="http://schemas.openxmlformats.org/officeDocument/2006/math" xmlns:a14="http://schemas.microsoft.com/office/drawing/2010/main" xmlns:ma14="http://schemas.microsoft.com/office/mac/drawingml/2011/main" val="1"/>
                 </a:ext>
               </a:extLst>
             </p:spPr>
@@ -32985,7 +32985,7 @@
               <a:effectLst/>
               <a:extLst>
                 <a:ext uri="{C572A759-6A51-4108-AA02-DFA0A04FC94B}">
-                  <ma14:wrappingTextBoxFlag xmlns:ma14="http://schemas.microsoft.com/office/mac/drawingml/2011/main" xmlns:a14="http://schemas.microsoft.com/office/drawing/2010/main" xmlns:m="http://schemas.openxmlformats.org/officeDocument/2006/math" xmlns="" val="1"/>
+                  <ma14:wrappingTextBoxFlag xmlns="" xmlns:m="http://schemas.openxmlformats.org/officeDocument/2006/math" xmlns:a14="http://schemas.microsoft.com/office/drawing/2010/main" xmlns:ma14="http://schemas.microsoft.com/office/mac/drawingml/2011/main" val="1"/>
                 </a:ext>
               </a:extLst>
             </p:spPr>
@@ -33105,7 +33105,7 @@
             <a:effectLst/>
             <a:extLst>
               <a:ext uri="{C572A759-6A51-4108-AA02-DFA0A04FC94B}">
-                <ma14:wrappingTextBoxFlag xmlns:ma14="http://schemas.microsoft.com/office/mac/drawingml/2011/main" xmlns:a14="http://schemas.microsoft.com/office/drawing/2010/main" xmlns:m="http://schemas.openxmlformats.org/officeDocument/2006/math" xmlns="" val="1"/>
+                <ma14:wrappingTextBoxFlag xmlns="" xmlns:m="http://schemas.openxmlformats.org/officeDocument/2006/math" xmlns:a14="http://schemas.microsoft.com/office/drawing/2010/main" xmlns:ma14="http://schemas.microsoft.com/office/mac/drawingml/2011/main" val="1"/>
               </a:ext>
             </a:extLst>
           </p:spPr>
@@ -33152,7 +33152,7 @@
             <a:effectLst/>
             <a:extLst>
               <a:ext uri="{C572A759-6A51-4108-AA02-DFA0A04FC94B}">
-                <ma14:wrappingTextBoxFlag xmlns:ma14="http://schemas.microsoft.com/office/mac/drawingml/2011/main" xmlns:a14="http://schemas.microsoft.com/office/drawing/2010/main" xmlns:m="http://schemas.openxmlformats.org/officeDocument/2006/math" xmlns="" val="1"/>
+                <ma14:wrappingTextBoxFlag xmlns="" xmlns:m="http://schemas.openxmlformats.org/officeDocument/2006/math" xmlns:a14="http://schemas.microsoft.com/office/drawing/2010/main" xmlns:ma14="http://schemas.microsoft.com/office/mac/drawingml/2011/main" val="1"/>
               </a:ext>
             </a:extLst>
           </p:spPr>
@@ -33257,7 +33257,7 @@
               <a:effectLst/>
               <a:extLst>
                 <a:ext uri="{C572A759-6A51-4108-AA02-DFA0A04FC94B}">
-                  <ma14:wrappingTextBoxFlag xmlns:ma14="http://schemas.microsoft.com/office/mac/drawingml/2011/main" xmlns:a14="http://schemas.microsoft.com/office/drawing/2010/main" xmlns:m="http://schemas.openxmlformats.org/officeDocument/2006/math" xmlns="" val="1"/>
+                  <ma14:wrappingTextBoxFlag xmlns="" xmlns:m="http://schemas.openxmlformats.org/officeDocument/2006/math" xmlns:a14="http://schemas.microsoft.com/office/drawing/2010/main" xmlns:ma14="http://schemas.microsoft.com/office/mac/drawingml/2011/main" val="1"/>
                 </a:ext>
               </a:extLst>
             </p:spPr>
@@ -33478,7 +33478,7 @@
           </a:ln>
           <a:extLst>
             <a:ext uri="{C572A759-6A51-4108-AA02-DFA0A04FC94B}">
-              <ma14:wrappingTextBoxFlag xmlns:ma14="http://schemas.microsoft.com/office/mac/drawingml/2011/main" xmlns:a14="http://schemas.microsoft.com/office/drawing/2010/main" xmlns:m="http://schemas.openxmlformats.org/officeDocument/2006/math" xmlns="" val="1"/>
+              <ma14:wrappingTextBoxFlag xmlns="" xmlns:m="http://schemas.openxmlformats.org/officeDocument/2006/math" xmlns:a14="http://schemas.microsoft.com/office/drawing/2010/main" xmlns:ma14="http://schemas.microsoft.com/office/mac/drawingml/2011/main" val="1"/>
             </a:ext>
           </a:extLst>
         </p:spPr>
@@ -33592,7 +33592,7 @@
             <a:effectLst/>
             <a:extLst>
               <a:ext uri="{C572A759-6A51-4108-AA02-DFA0A04FC94B}">
-                <ma14:wrappingTextBoxFlag xmlns:ma14="http://schemas.microsoft.com/office/mac/drawingml/2011/main" xmlns:a14="http://schemas.microsoft.com/office/drawing/2010/main" xmlns:m="http://schemas.openxmlformats.org/officeDocument/2006/math" xmlns="" val="1"/>
+                <ma14:wrappingTextBoxFlag xmlns="" xmlns:m="http://schemas.openxmlformats.org/officeDocument/2006/math" xmlns:a14="http://schemas.microsoft.com/office/drawing/2010/main" xmlns:ma14="http://schemas.microsoft.com/office/mac/drawingml/2011/main" val="1"/>
               </a:ext>
             </a:extLst>
           </p:spPr>
@@ -34261,7 +34261,7 @@
             <a:effectLst/>
             <a:extLst>
               <a:ext uri="{C572A759-6A51-4108-AA02-DFA0A04FC94B}">
-                <ma14:wrappingTextBoxFlag xmlns:ma14="http://schemas.microsoft.com/office/mac/drawingml/2011/main" xmlns:a14="http://schemas.microsoft.com/office/drawing/2010/main" xmlns:m="http://schemas.openxmlformats.org/officeDocument/2006/math" xmlns="" val="1"/>
+                <ma14:wrappingTextBoxFlag xmlns="" xmlns:m="http://schemas.openxmlformats.org/officeDocument/2006/math" xmlns:a14="http://schemas.microsoft.com/office/drawing/2010/main" xmlns:ma14="http://schemas.microsoft.com/office/mac/drawingml/2011/main" val="1"/>
               </a:ext>
             </a:extLst>
           </p:spPr>
@@ -34382,7 +34382,7 @@
             <a:effectLst/>
             <a:extLst>
               <a:ext uri="{C572A759-6A51-4108-AA02-DFA0A04FC94B}">
-                <ma14:wrappingTextBoxFlag xmlns:ma14="http://schemas.microsoft.com/office/mac/drawingml/2011/main" xmlns:a14="http://schemas.microsoft.com/office/drawing/2010/main" xmlns:m="http://schemas.openxmlformats.org/officeDocument/2006/math" xmlns="" val="1"/>
+                <ma14:wrappingTextBoxFlag xmlns="" xmlns:m="http://schemas.openxmlformats.org/officeDocument/2006/math" xmlns:a14="http://schemas.microsoft.com/office/drawing/2010/main" xmlns:ma14="http://schemas.microsoft.com/office/mac/drawingml/2011/main" val="1"/>
               </a:ext>
             </a:extLst>
           </p:spPr>
@@ -34503,7 +34503,7 @@
             <a:effectLst/>
             <a:extLst>
               <a:ext uri="{C572A759-6A51-4108-AA02-DFA0A04FC94B}">
-                <ma14:wrappingTextBoxFlag xmlns:ma14="http://schemas.microsoft.com/office/mac/drawingml/2011/main" xmlns:a14="http://schemas.microsoft.com/office/drawing/2010/main" xmlns:m="http://schemas.openxmlformats.org/officeDocument/2006/math" xmlns="" val="1"/>
+                <ma14:wrappingTextBoxFlag xmlns="" xmlns:m="http://schemas.openxmlformats.org/officeDocument/2006/math" xmlns:a14="http://schemas.microsoft.com/office/drawing/2010/main" xmlns:ma14="http://schemas.microsoft.com/office/mac/drawingml/2011/main" val="1"/>
               </a:ext>
             </a:extLst>
           </p:spPr>
@@ -34624,7 +34624,7 @@
             <a:effectLst/>
             <a:extLst>
               <a:ext uri="{C572A759-6A51-4108-AA02-DFA0A04FC94B}">
-                <ma14:wrappingTextBoxFlag xmlns:ma14="http://schemas.microsoft.com/office/mac/drawingml/2011/main" xmlns:a14="http://schemas.microsoft.com/office/drawing/2010/main" xmlns:m="http://schemas.openxmlformats.org/officeDocument/2006/math" xmlns="" val="1"/>
+                <ma14:wrappingTextBoxFlag xmlns="" xmlns:m="http://schemas.openxmlformats.org/officeDocument/2006/math" xmlns:a14="http://schemas.microsoft.com/office/drawing/2010/main" xmlns:ma14="http://schemas.microsoft.com/office/mac/drawingml/2011/main" val="1"/>
               </a:ext>
             </a:extLst>
           </p:spPr>
@@ -34745,7 +34745,7 @@
             <a:effectLst/>
             <a:extLst>
               <a:ext uri="{C572A759-6A51-4108-AA02-DFA0A04FC94B}">
-                <ma14:wrappingTextBoxFlag xmlns:ma14="http://schemas.microsoft.com/office/mac/drawingml/2011/main" xmlns:a14="http://schemas.microsoft.com/office/drawing/2010/main" xmlns:m="http://schemas.openxmlformats.org/officeDocument/2006/math" xmlns="" val="1"/>
+                <ma14:wrappingTextBoxFlag xmlns="" xmlns:m="http://schemas.openxmlformats.org/officeDocument/2006/math" xmlns:a14="http://schemas.microsoft.com/office/drawing/2010/main" xmlns:ma14="http://schemas.microsoft.com/office/mac/drawingml/2011/main" val="1"/>
               </a:ext>
             </a:extLst>
           </p:spPr>
@@ -34866,7 +34866,7 @@
             <a:effectLst/>
             <a:extLst>
               <a:ext uri="{C572A759-6A51-4108-AA02-DFA0A04FC94B}">
-                <ma14:wrappingTextBoxFlag xmlns:ma14="http://schemas.microsoft.com/office/mac/drawingml/2011/main" xmlns:a14="http://schemas.microsoft.com/office/drawing/2010/main" xmlns:m="http://schemas.openxmlformats.org/officeDocument/2006/math" xmlns="" val="1"/>
+                <ma14:wrappingTextBoxFlag xmlns="" xmlns:m="http://schemas.openxmlformats.org/officeDocument/2006/math" xmlns:a14="http://schemas.microsoft.com/office/drawing/2010/main" xmlns:ma14="http://schemas.microsoft.com/office/mac/drawingml/2011/main" val="1"/>
               </a:ext>
             </a:extLst>
           </p:spPr>
@@ -34987,7 +34987,7 @@
             <a:effectLst/>
             <a:extLst>
               <a:ext uri="{C572A759-6A51-4108-AA02-DFA0A04FC94B}">
-                <ma14:wrappingTextBoxFlag xmlns:ma14="http://schemas.microsoft.com/office/mac/drawingml/2011/main" xmlns:a14="http://schemas.microsoft.com/office/drawing/2010/main" xmlns:m="http://schemas.openxmlformats.org/officeDocument/2006/math" xmlns="" val="1"/>
+                <ma14:wrappingTextBoxFlag xmlns="" xmlns:m="http://schemas.openxmlformats.org/officeDocument/2006/math" xmlns:a14="http://schemas.microsoft.com/office/drawing/2010/main" xmlns:ma14="http://schemas.microsoft.com/office/mac/drawingml/2011/main" val="1"/>
               </a:ext>
             </a:extLst>
           </p:spPr>
@@ -35108,7 +35108,7 @@
             <a:effectLst/>
             <a:extLst>
               <a:ext uri="{C572A759-6A51-4108-AA02-DFA0A04FC94B}">
-                <ma14:wrappingTextBoxFlag xmlns:ma14="http://schemas.microsoft.com/office/mac/drawingml/2011/main" xmlns:a14="http://schemas.microsoft.com/office/drawing/2010/main" xmlns:m="http://schemas.openxmlformats.org/officeDocument/2006/math" xmlns="" val="1"/>
+                <ma14:wrappingTextBoxFlag xmlns="" xmlns:m="http://schemas.openxmlformats.org/officeDocument/2006/math" xmlns:a14="http://schemas.microsoft.com/office/drawing/2010/main" xmlns:ma14="http://schemas.microsoft.com/office/mac/drawingml/2011/main" val="1"/>
               </a:ext>
             </a:extLst>
           </p:spPr>
@@ -35229,7 +35229,7 @@
             <a:effectLst/>
             <a:extLst>
               <a:ext uri="{C572A759-6A51-4108-AA02-DFA0A04FC94B}">
-                <ma14:wrappingTextBoxFlag xmlns:ma14="http://schemas.microsoft.com/office/mac/drawingml/2011/main" xmlns:a14="http://schemas.microsoft.com/office/drawing/2010/main" xmlns:m="http://schemas.openxmlformats.org/officeDocument/2006/math" xmlns="" val="1"/>
+                <ma14:wrappingTextBoxFlag xmlns="" xmlns:m="http://schemas.openxmlformats.org/officeDocument/2006/math" xmlns:a14="http://schemas.microsoft.com/office/drawing/2010/main" xmlns:ma14="http://schemas.microsoft.com/office/mac/drawingml/2011/main" val="1"/>
               </a:ext>
             </a:extLst>
           </p:spPr>
@@ -35531,7 +35531,7 @@
                 <a:effectLst/>
                 <a:extLst>
                   <a:ext uri="{C572A759-6A51-4108-AA02-DFA0A04FC94B}">
-                    <ma14:wrappingTextBoxFlag xmlns:ma14="http://schemas.microsoft.com/office/mac/drawingml/2011/main" xmlns:a14="http://schemas.microsoft.com/office/drawing/2010/main" xmlns:m="http://schemas.openxmlformats.org/officeDocument/2006/math" xmlns="" val="1"/>
+                    <ma14:wrappingTextBoxFlag xmlns="" xmlns:m="http://schemas.openxmlformats.org/officeDocument/2006/math" xmlns:a14="http://schemas.microsoft.com/office/drawing/2010/main" xmlns:ma14="http://schemas.microsoft.com/office/mac/drawingml/2011/main" val="1"/>
                   </a:ext>
                 </a:extLst>
               </p:spPr>
@@ -35636,7 +35636,7 @@
                 <a:effectLst/>
                 <a:extLst>
                   <a:ext uri="{C572A759-6A51-4108-AA02-DFA0A04FC94B}">
-                    <ma14:wrappingTextBoxFlag xmlns:ma14="http://schemas.microsoft.com/office/mac/drawingml/2011/main" xmlns:a14="http://schemas.microsoft.com/office/drawing/2010/main" xmlns:m="http://schemas.openxmlformats.org/officeDocument/2006/math" xmlns="" val="1"/>
+                    <ma14:wrappingTextBoxFlag xmlns="" xmlns:m="http://schemas.openxmlformats.org/officeDocument/2006/math" xmlns:a14="http://schemas.microsoft.com/office/drawing/2010/main" xmlns:ma14="http://schemas.microsoft.com/office/mac/drawingml/2011/main" val="1"/>
                   </a:ext>
                 </a:extLst>
               </p:spPr>
@@ -35687,7 +35687,7 @@
               <a:effectLst/>
               <a:extLst>
                 <a:ext uri="{C572A759-6A51-4108-AA02-DFA0A04FC94B}">
-                  <ma14:wrappingTextBoxFlag xmlns:ma14="http://schemas.microsoft.com/office/mac/drawingml/2011/main" xmlns:a14="http://schemas.microsoft.com/office/drawing/2010/main" xmlns:m="http://schemas.openxmlformats.org/officeDocument/2006/math" xmlns="" val="1"/>
+                  <ma14:wrappingTextBoxFlag xmlns="" xmlns:m="http://schemas.openxmlformats.org/officeDocument/2006/math" xmlns:a14="http://schemas.microsoft.com/office/drawing/2010/main" xmlns:ma14="http://schemas.microsoft.com/office/mac/drawingml/2011/main" val="1"/>
                 </a:ext>
               </a:extLst>
             </p:spPr>
@@ -35798,7 +35798,7 @@
                 <a:effectLst/>
                 <a:extLst>
                   <a:ext uri="{C572A759-6A51-4108-AA02-DFA0A04FC94B}">
-                    <ma14:wrappingTextBoxFlag xmlns:ma14="http://schemas.microsoft.com/office/mac/drawingml/2011/main" xmlns:a14="http://schemas.microsoft.com/office/drawing/2010/main" xmlns:m="http://schemas.openxmlformats.org/officeDocument/2006/math" xmlns="" val="1"/>
+                    <ma14:wrappingTextBoxFlag xmlns="" xmlns:m="http://schemas.openxmlformats.org/officeDocument/2006/math" xmlns:a14="http://schemas.microsoft.com/office/drawing/2010/main" xmlns:ma14="http://schemas.microsoft.com/office/mac/drawingml/2011/main" val="1"/>
                   </a:ext>
                 </a:extLst>
               </p:spPr>
@@ -35849,7 +35849,7 @@
               <a:effectLst/>
               <a:extLst>
                 <a:ext uri="{C572A759-6A51-4108-AA02-DFA0A04FC94B}">
-                  <ma14:wrappingTextBoxFlag xmlns:ma14="http://schemas.microsoft.com/office/mac/drawingml/2011/main" xmlns:a14="http://schemas.microsoft.com/office/drawing/2010/main" xmlns:m="http://schemas.openxmlformats.org/officeDocument/2006/math" xmlns="" val="1"/>
+                  <ma14:wrappingTextBoxFlag xmlns="" xmlns:m="http://schemas.openxmlformats.org/officeDocument/2006/math" xmlns:a14="http://schemas.microsoft.com/office/drawing/2010/main" xmlns:ma14="http://schemas.microsoft.com/office/mac/drawingml/2011/main" val="1"/>
                 </a:ext>
               </a:extLst>
             </p:spPr>
@@ -36187,7 +36187,7 @@
                 <a:effectLst/>
                 <a:extLst>
                   <a:ext uri="{C572A759-6A51-4108-AA02-DFA0A04FC94B}">
-                    <ma14:wrappingTextBoxFlag xmlns:ma14="http://schemas.microsoft.com/office/mac/drawingml/2011/main" xmlns:a14="http://schemas.microsoft.com/office/drawing/2010/main" xmlns:m="http://schemas.openxmlformats.org/officeDocument/2006/math" xmlns="" val="1"/>
+                    <ma14:wrappingTextBoxFlag xmlns="" xmlns:m="http://schemas.openxmlformats.org/officeDocument/2006/math" xmlns:a14="http://schemas.microsoft.com/office/drawing/2010/main" xmlns:ma14="http://schemas.microsoft.com/office/mac/drawingml/2011/main" val="1"/>
                   </a:ext>
                 </a:extLst>
               </p:spPr>
@@ -37647,7 +37647,7 @@
           </a:ln>
           <a:extLst>
             <a:ext uri="{C572A759-6A51-4108-AA02-DFA0A04FC94B}">
-              <ma14:wrappingTextBoxFlag xmlns:ma14="http://schemas.microsoft.com/office/mac/drawingml/2011/main" xmlns:a14="http://schemas.microsoft.com/office/drawing/2010/main" xmlns:m="http://schemas.openxmlformats.org/officeDocument/2006/math" xmlns="" val="1"/>
+              <ma14:wrappingTextBoxFlag xmlns="" xmlns:m="http://schemas.openxmlformats.org/officeDocument/2006/math" xmlns:a14="http://schemas.microsoft.com/office/drawing/2010/main" xmlns:ma14="http://schemas.microsoft.com/office/mac/drawingml/2011/main" val="1"/>
             </a:ext>
           </a:extLst>
         </p:spPr>
@@ -37824,7 +37824,7 @@
               <a:effectLst/>
               <a:extLst>
                 <a:ext uri="{C572A759-6A51-4108-AA02-DFA0A04FC94B}">
-                  <ma14:wrappingTextBoxFlag xmlns:ma14="http://schemas.microsoft.com/office/mac/drawingml/2011/main" xmlns:a14="http://schemas.microsoft.com/office/drawing/2010/main" xmlns:m="http://schemas.openxmlformats.org/officeDocument/2006/math" xmlns="" val="1"/>
+                  <ma14:wrappingTextBoxFlag xmlns="" xmlns:m="http://schemas.openxmlformats.org/officeDocument/2006/math" xmlns:a14="http://schemas.microsoft.com/office/drawing/2010/main" xmlns:ma14="http://schemas.microsoft.com/office/mac/drawingml/2011/main" val="1"/>
                 </a:ext>
               </a:extLst>
             </p:spPr>
@@ -37929,7 +37929,7 @@
               <a:effectLst/>
               <a:extLst>
                 <a:ext uri="{C572A759-6A51-4108-AA02-DFA0A04FC94B}">
-                  <ma14:wrappingTextBoxFlag xmlns:ma14="http://schemas.microsoft.com/office/mac/drawingml/2011/main" xmlns:a14="http://schemas.microsoft.com/office/drawing/2010/main" xmlns:m="http://schemas.openxmlformats.org/officeDocument/2006/math" xmlns="" val="1"/>
+                  <ma14:wrappingTextBoxFlag xmlns="" xmlns:m="http://schemas.openxmlformats.org/officeDocument/2006/math" xmlns:a14="http://schemas.microsoft.com/office/drawing/2010/main" xmlns:ma14="http://schemas.microsoft.com/office/mac/drawingml/2011/main" val="1"/>
                 </a:ext>
               </a:extLst>
             </p:spPr>
@@ -37980,7 +37980,7 @@
             <a:effectLst/>
             <a:extLst>
               <a:ext uri="{C572A759-6A51-4108-AA02-DFA0A04FC94B}">
-                <ma14:wrappingTextBoxFlag xmlns:ma14="http://schemas.microsoft.com/office/mac/drawingml/2011/main" xmlns:a14="http://schemas.microsoft.com/office/drawing/2010/main" xmlns:m="http://schemas.openxmlformats.org/officeDocument/2006/math" xmlns="" val="1"/>
+                <ma14:wrappingTextBoxFlag xmlns="" xmlns:m="http://schemas.openxmlformats.org/officeDocument/2006/math" xmlns:a14="http://schemas.microsoft.com/office/drawing/2010/main" xmlns:ma14="http://schemas.microsoft.com/office/mac/drawingml/2011/main" val="1"/>
               </a:ext>
             </a:extLst>
           </p:spPr>
@@ -38084,7 +38084,7 @@
               <a:effectLst/>
               <a:extLst>
                 <a:ext uri="{C572A759-6A51-4108-AA02-DFA0A04FC94B}">
-                  <ma14:wrappingTextBoxFlag xmlns:ma14="http://schemas.microsoft.com/office/mac/drawingml/2011/main" xmlns:a14="http://schemas.microsoft.com/office/drawing/2010/main" xmlns:m="http://schemas.openxmlformats.org/officeDocument/2006/math" xmlns="" val="1"/>
+                  <ma14:wrappingTextBoxFlag xmlns="" xmlns:m="http://schemas.openxmlformats.org/officeDocument/2006/math" xmlns:a14="http://schemas.microsoft.com/office/drawing/2010/main" xmlns:ma14="http://schemas.microsoft.com/office/mac/drawingml/2011/main" val="1"/>
                 </a:ext>
               </a:extLst>
             </p:spPr>
@@ -38135,7 +38135,7 @@
             <a:effectLst/>
             <a:extLst>
               <a:ext uri="{C572A759-6A51-4108-AA02-DFA0A04FC94B}">
-                <ma14:wrappingTextBoxFlag xmlns:ma14="http://schemas.microsoft.com/office/mac/drawingml/2011/main" xmlns:a14="http://schemas.microsoft.com/office/drawing/2010/main" xmlns:m="http://schemas.openxmlformats.org/officeDocument/2006/math" xmlns="" val="1"/>
+                <ma14:wrappingTextBoxFlag xmlns="" xmlns:m="http://schemas.openxmlformats.org/officeDocument/2006/math" xmlns:a14="http://schemas.microsoft.com/office/drawing/2010/main" xmlns:ma14="http://schemas.microsoft.com/office/mac/drawingml/2011/main" val="1"/>
               </a:ext>
             </a:extLst>
           </p:spPr>
@@ -39050,7 +39050,7 @@
           </a:ln>
           <a:extLst>
             <a:ext uri="{C572A759-6A51-4108-AA02-DFA0A04FC94B}">
-              <ma14:wrappingTextBoxFlag xmlns:ma14="http://schemas.microsoft.com/office/mac/drawingml/2011/main" xmlns:a14="http://schemas.microsoft.com/office/drawing/2010/main" xmlns:m="http://schemas.openxmlformats.org/officeDocument/2006/math" xmlns="" val="1"/>
+              <ma14:wrappingTextBoxFlag xmlns="" xmlns:m="http://schemas.openxmlformats.org/officeDocument/2006/math" xmlns:a14="http://schemas.microsoft.com/office/drawing/2010/main" xmlns:ma14="http://schemas.microsoft.com/office/mac/drawingml/2011/main" val="1"/>
             </a:ext>
           </a:extLst>
         </p:spPr>
@@ -39087,7 +39087,7 @@
           </a:ln>
           <a:extLst>
             <a:ext uri="{C572A759-6A51-4108-AA02-DFA0A04FC94B}">
-              <ma14:wrappingTextBoxFlag xmlns:ma14="http://schemas.microsoft.com/office/mac/drawingml/2011/main" xmlns:a14="http://schemas.microsoft.com/office/drawing/2010/main" xmlns:m="http://schemas.openxmlformats.org/officeDocument/2006/math" xmlns="" val="1"/>
+              <ma14:wrappingTextBoxFlag xmlns="" xmlns:m="http://schemas.openxmlformats.org/officeDocument/2006/math" xmlns:a14="http://schemas.microsoft.com/office/drawing/2010/main" xmlns:ma14="http://schemas.microsoft.com/office/mac/drawingml/2011/main" val="1"/>
             </a:ext>
           </a:extLst>
         </p:spPr>
@@ -39964,7 +39964,7 @@
           </a:ln>
           <a:extLst>
             <a:ext uri="{C572A759-6A51-4108-AA02-DFA0A04FC94B}">
-              <ma14:wrappingTextBoxFlag xmlns:ma14="http://schemas.microsoft.com/office/mac/drawingml/2011/main" xmlns:a14="http://schemas.microsoft.com/office/drawing/2010/main" xmlns:m="http://schemas.openxmlformats.org/officeDocument/2006/math" xmlns="" val="1"/>
+              <ma14:wrappingTextBoxFlag xmlns="" xmlns:m="http://schemas.openxmlformats.org/officeDocument/2006/math" xmlns:a14="http://schemas.microsoft.com/office/drawing/2010/main" xmlns:ma14="http://schemas.microsoft.com/office/mac/drawingml/2011/main" val="1"/>
             </a:ext>
           </a:extLst>
         </p:spPr>
@@ -40008,7 +40008,7 @@
           </a:prstGeom>
           <a:extLst>
             <a:ext uri="{C572A759-6A51-4108-AA02-DFA0A04FC94B}">
-              <ma14:wrappingTextBoxFlag xmlns:ma14="http://schemas.microsoft.com/office/mac/drawingml/2011/main" xmlns:a14="http://schemas.microsoft.com/office/drawing/2010/main" xmlns:m="http://schemas.openxmlformats.org/officeDocument/2006/math" xmlns="" val="1"/>
+              <ma14:wrappingTextBoxFlag xmlns="" xmlns:m="http://schemas.openxmlformats.org/officeDocument/2006/math" xmlns:a14="http://schemas.microsoft.com/office/drawing/2010/main" xmlns:ma14="http://schemas.microsoft.com/office/mac/drawingml/2011/main" val="1"/>
             </a:ext>
           </a:extLst>
         </p:spPr>
@@ -40214,7 +40214,7 @@
         <p:fade/>
       </p:transition>
     </mc:Choice>
-    <mc:Fallback xmlns:a14="http://schemas.microsoft.com/office/drawing/2010/main" xmlns:m="http://schemas.openxmlformats.org/officeDocument/2006/math" xmlns="">
+    <mc:Fallback xmlns="" xmlns:m="http://schemas.openxmlformats.org/officeDocument/2006/math" xmlns:a14="http://schemas.microsoft.com/office/drawing/2010/main">
       <p:transition spd="med">
         <p:fade/>
       </p:transition>
@@ -40259,7 +40259,7 @@
           </a:ln>
           <a:extLst>
             <a:ext uri="{C572A759-6A51-4108-AA02-DFA0A04FC94B}">
-              <ma14:wrappingTextBoxFlag xmlns="" xmlns:m="http://schemas.openxmlformats.org/officeDocument/2006/math" xmlns:a14="http://schemas.microsoft.com/office/drawing/2010/main" xmlns:ma14="http://schemas.microsoft.com/office/mac/drawingml/2011/main" val="1"/>
+              <ma14:wrappingTextBoxFlag xmlns:ma14="http://schemas.microsoft.com/office/mac/drawingml/2011/main" xmlns:a14="http://schemas.microsoft.com/office/drawing/2010/main" xmlns:m="http://schemas.openxmlformats.org/officeDocument/2006/math" xmlns="" val="1"/>
             </a:ext>
           </a:extLst>
         </p:spPr>
@@ -40303,7 +40303,7 @@
           </a:prstGeom>
           <a:extLst>
             <a:ext uri="{C572A759-6A51-4108-AA02-DFA0A04FC94B}">
-              <ma14:wrappingTextBoxFlag xmlns="" xmlns:m="http://schemas.openxmlformats.org/officeDocument/2006/math" xmlns:a14="http://schemas.microsoft.com/office/drawing/2010/main" xmlns:ma14="http://schemas.microsoft.com/office/mac/drawingml/2011/main" val="1"/>
+              <ma14:wrappingTextBoxFlag xmlns:ma14="http://schemas.microsoft.com/office/mac/drawingml/2011/main" xmlns:a14="http://schemas.microsoft.com/office/drawing/2010/main" xmlns:m="http://schemas.openxmlformats.org/officeDocument/2006/math" xmlns="" val="1"/>
             </a:ext>
           </a:extLst>
         </p:spPr>
@@ -40430,7 +40430,7 @@
           </a:ln>
           <a:extLst>
             <a:ext uri="{C572A759-6A51-4108-AA02-DFA0A04FC94B}">
-              <ma14:wrappingTextBoxFlag xmlns:ma14="http://schemas.microsoft.com/office/mac/drawingml/2011/main" xmlns:a14="http://schemas.microsoft.com/office/drawing/2010/main" xmlns:m="http://schemas.openxmlformats.org/officeDocument/2006/math" xmlns="" val="1"/>
+              <ma14:wrappingTextBoxFlag xmlns="" xmlns:m="http://schemas.openxmlformats.org/officeDocument/2006/math" xmlns:a14="http://schemas.microsoft.com/office/drawing/2010/main" xmlns:ma14="http://schemas.microsoft.com/office/mac/drawingml/2011/main" val="1"/>
             </a:ext>
           </a:extLst>
         </p:spPr>
@@ -40474,7 +40474,7 @@
           </a:prstGeom>
           <a:extLst>
             <a:ext uri="{C572A759-6A51-4108-AA02-DFA0A04FC94B}">
-              <ma14:wrappingTextBoxFlag xmlns:ma14="http://schemas.microsoft.com/office/mac/drawingml/2011/main" xmlns:a14="http://schemas.microsoft.com/office/drawing/2010/main" xmlns:m="http://schemas.openxmlformats.org/officeDocument/2006/math" xmlns="" val="1"/>
+              <ma14:wrappingTextBoxFlag xmlns="" xmlns:m="http://schemas.openxmlformats.org/officeDocument/2006/math" xmlns:a14="http://schemas.microsoft.com/office/drawing/2010/main" xmlns:ma14="http://schemas.microsoft.com/office/mac/drawingml/2011/main" val="1"/>
             </a:ext>
           </a:extLst>
         </p:spPr>
@@ -40661,7 +40661,7 @@
           </a:ln>
           <a:extLst>
             <a:ext uri="{C572A759-6A51-4108-AA02-DFA0A04FC94B}">
-              <ma14:wrappingTextBoxFlag xmlns="" xmlns:m="http://schemas.openxmlformats.org/officeDocument/2006/math" xmlns:a14="http://schemas.microsoft.com/office/drawing/2010/main" xmlns:ma14="http://schemas.microsoft.com/office/mac/drawingml/2011/main" val="1"/>
+              <ma14:wrappingTextBoxFlag xmlns:ma14="http://schemas.microsoft.com/office/mac/drawingml/2011/main" xmlns:a14="http://schemas.microsoft.com/office/drawing/2010/main" xmlns:m="http://schemas.openxmlformats.org/officeDocument/2006/math" xmlns="" val="1"/>
             </a:ext>
           </a:extLst>
         </p:spPr>
@@ -40705,7 +40705,7 @@
           </a:prstGeom>
           <a:extLst>
             <a:ext uri="{C572A759-6A51-4108-AA02-DFA0A04FC94B}">
-              <ma14:wrappingTextBoxFlag xmlns="" xmlns:m="http://schemas.openxmlformats.org/officeDocument/2006/math" xmlns:a14="http://schemas.microsoft.com/office/drawing/2010/main" xmlns:ma14="http://schemas.microsoft.com/office/mac/drawingml/2011/main" val="1"/>
+              <ma14:wrappingTextBoxFlag xmlns:ma14="http://schemas.microsoft.com/office/mac/drawingml/2011/main" xmlns:a14="http://schemas.microsoft.com/office/drawing/2010/main" xmlns:m="http://schemas.openxmlformats.org/officeDocument/2006/math" xmlns="" val="1"/>
             </a:ext>
           </a:extLst>
         </p:spPr>
@@ -40772,7 +40772,7 @@
           </a:ln>
           <a:extLst>
             <a:ext uri="{C572A759-6A51-4108-AA02-DFA0A04FC94B}">
-              <ma14:wrappingTextBoxFlag xmlns:ma14="http://schemas.microsoft.com/office/mac/drawingml/2011/main" xmlns:a14="http://schemas.microsoft.com/office/drawing/2010/main" xmlns:m="http://schemas.openxmlformats.org/officeDocument/2006/math" xmlns="" val="1"/>
+              <ma14:wrappingTextBoxFlag xmlns="" xmlns:m="http://schemas.openxmlformats.org/officeDocument/2006/math" xmlns:a14="http://schemas.microsoft.com/office/drawing/2010/main" xmlns:ma14="http://schemas.microsoft.com/office/mac/drawingml/2011/main" val="1"/>
             </a:ext>
           </a:extLst>
         </p:spPr>
@@ -40816,7 +40816,7 @@
           </a:prstGeom>
           <a:extLst>
             <a:ext uri="{C572A759-6A51-4108-AA02-DFA0A04FC94B}">
-              <ma14:wrappingTextBoxFlag xmlns:ma14="http://schemas.microsoft.com/office/mac/drawingml/2011/main" xmlns:a14="http://schemas.microsoft.com/office/drawing/2010/main" xmlns:m="http://schemas.openxmlformats.org/officeDocument/2006/math" xmlns="" val="1"/>
+              <ma14:wrappingTextBoxFlag xmlns="" xmlns:m="http://schemas.openxmlformats.org/officeDocument/2006/math" xmlns:a14="http://schemas.microsoft.com/office/drawing/2010/main" xmlns:ma14="http://schemas.microsoft.com/office/mac/drawingml/2011/main" val="1"/>
             </a:ext>
           </a:extLst>
         </p:spPr>
